--- a/JS_DataTypes.pptx
+++ b/JS_DataTypes.pptx
@@ -7,7 +7,7 @@
     <p:sldMasterId id="2147484842" r:id="rId6"/>
   </p:sldMasterIdLst>
   <p:notesMasterIdLst>
-    <p:notesMasterId r:id="rId27"/>
+    <p:notesMasterId r:id="rId28"/>
   </p:notesMasterIdLst>
   <p:sldIdLst>
     <p:sldId id="1229" r:id="rId7"/>
@@ -20,16 +20,17 @@
     <p:sldId id="1237" r:id="rId14"/>
     <p:sldId id="1238" r:id="rId15"/>
     <p:sldId id="1239" r:id="rId16"/>
-    <p:sldId id="1241" r:id="rId17"/>
-    <p:sldId id="1242" r:id="rId18"/>
-    <p:sldId id="1243" r:id="rId19"/>
-    <p:sldId id="1244" r:id="rId20"/>
-    <p:sldId id="1240" r:id="rId21"/>
-    <p:sldId id="1245" r:id="rId22"/>
-    <p:sldId id="1246" r:id="rId23"/>
-    <p:sldId id="1247" r:id="rId24"/>
-    <p:sldId id="1248" r:id="rId25"/>
-    <p:sldId id="1206" r:id="rId26"/>
+    <p:sldId id="1249" r:id="rId17"/>
+    <p:sldId id="1241" r:id="rId18"/>
+    <p:sldId id="1242" r:id="rId19"/>
+    <p:sldId id="1243" r:id="rId20"/>
+    <p:sldId id="1244" r:id="rId21"/>
+    <p:sldId id="1240" r:id="rId22"/>
+    <p:sldId id="1245" r:id="rId23"/>
+    <p:sldId id="1246" r:id="rId24"/>
+    <p:sldId id="1247" r:id="rId25"/>
+    <p:sldId id="1248" r:id="rId26"/>
+    <p:sldId id="1206" r:id="rId27"/>
   </p:sldIdLst>
   <p:sldSz cx="12192000" cy="6858000"/>
   <p:notesSz cx="6858000" cy="9144000"/>
@@ -173,6 +174,7 @@
             <p14:sldId id="1237"/>
             <p14:sldId id="1238"/>
             <p14:sldId id="1239"/>
+            <p14:sldId id="1249"/>
             <p14:sldId id="1241"/>
             <p14:sldId id="1242"/>
             <p14:sldId id="1243"/>
@@ -1495,7 +1497,7 @@
               <a:pPr>
                 <a:defRPr/>
               </a:pPr>
-              <a:t>25/04/2020</a:t>
+              <a:t>04/05/2020</a:t>
             </a:fld>
             <a:endParaRPr lang="en-GB"/>
           </a:p>
@@ -13347,6 +13349,1107 @@
           <a:lstStyle/>
           <a:p>
             <a:r>
+              <a:rPr lang="en-US" dirty="0" err="1" smtClean="0"/>
+              <a:t>Typeof</a:t>
+            </a:r>
+            <a:endParaRPr lang="uk-UA" dirty="0"/>
+          </a:p>
+        </p:txBody>
+      </p:sp>
+      <p:sp>
+        <p:nvSpPr>
+          <p:cNvPr id="5" name="Прямоугольник 4"/>
+          <p:cNvSpPr/>
+          <p:nvPr/>
+        </p:nvSpPr>
+        <p:spPr>
+          <a:xfrm>
+            <a:off x="685800" y="2091073"/>
+            <a:ext cx="8346688" cy="369332"/>
+          </a:xfrm>
+          <a:prstGeom prst="rect">
+            <a:avLst/>
+          </a:prstGeom>
+        </p:spPr>
+        <p:txBody>
+          <a:bodyPr wrap="square">
+            <a:spAutoFit/>
+          </a:bodyPr>
+          <a:lstStyle/>
+          <a:p>
+            <a:r>
+              <a:rPr lang="uk-UA" dirty="0" err="1">
+                <a:solidFill>
+                  <a:schemeClr val="bg1"/>
+                </a:solidFill>
+                <a:latin typeface="Arial" panose="020B0604020202020204" pitchFamily="34" charset="0"/>
+                <a:cs typeface="Arial" panose="020B0604020202020204" pitchFamily="34" charset="0"/>
+              </a:rPr>
+              <a:t>You</a:t>
+            </a:r>
+            <a:r>
+              <a:rPr lang="uk-UA" dirty="0">
+                <a:solidFill>
+                  <a:schemeClr val="bg1"/>
+                </a:solidFill>
+                <a:latin typeface="Arial" panose="020B0604020202020204" pitchFamily="34" charset="0"/>
+                <a:cs typeface="Arial" panose="020B0604020202020204" pitchFamily="34" charset="0"/>
+              </a:rPr>
+              <a:t> </a:t>
+            </a:r>
+            <a:r>
+              <a:rPr lang="uk-UA" dirty="0" err="1">
+                <a:solidFill>
+                  <a:schemeClr val="bg1"/>
+                </a:solidFill>
+                <a:latin typeface="Arial" panose="020B0604020202020204" pitchFamily="34" charset="0"/>
+                <a:cs typeface="Arial" panose="020B0604020202020204" pitchFamily="34" charset="0"/>
+              </a:rPr>
+              <a:t>can</a:t>
+            </a:r>
+            <a:r>
+              <a:rPr lang="uk-UA" dirty="0">
+                <a:solidFill>
+                  <a:schemeClr val="bg1"/>
+                </a:solidFill>
+                <a:latin typeface="Arial" panose="020B0604020202020204" pitchFamily="34" charset="0"/>
+                <a:cs typeface="Arial" panose="020B0604020202020204" pitchFamily="34" charset="0"/>
+              </a:rPr>
+              <a:t> </a:t>
+            </a:r>
+            <a:r>
+              <a:rPr lang="uk-UA" dirty="0" err="1">
+                <a:solidFill>
+                  <a:schemeClr val="bg1"/>
+                </a:solidFill>
+                <a:latin typeface="Arial" panose="020B0604020202020204" pitchFamily="34" charset="0"/>
+                <a:cs typeface="Arial" panose="020B0604020202020204" pitchFamily="34" charset="0"/>
+              </a:rPr>
+              <a:t>use</a:t>
+            </a:r>
+            <a:r>
+              <a:rPr lang="uk-UA" dirty="0">
+                <a:solidFill>
+                  <a:schemeClr val="bg1"/>
+                </a:solidFill>
+                <a:latin typeface="Arial" panose="020B0604020202020204" pitchFamily="34" charset="0"/>
+                <a:cs typeface="Arial" panose="020B0604020202020204" pitchFamily="34" charset="0"/>
+              </a:rPr>
+              <a:t> </a:t>
+            </a:r>
+            <a:r>
+              <a:rPr lang="uk-UA" dirty="0" err="1">
+                <a:solidFill>
+                  <a:schemeClr val="bg1"/>
+                </a:solidFill>
+                <a:latin typeface="Arial" panose="020B0604020202020204" pitchFamily="34" charset="0"/>
+                <a:cs typeface="Arial" panose="020B0604020202020204" pitchFamily="34" charset="0"/>
+              </a:rPr>
+              <a:t>the</a:t>
+            </a:r>
+            <a:r>
+              <a:rPr lang="uk-UA" dirty="0">
+                <a:solidFill>
+                  <a:schemeClr val="bg1"/>
+                </a:solidFill>
+                <a:latin typeface="Arial" panose="020B0604020202020204" pitchFamily="34" charset="0"/>
+                <a:cs typeface="Arial" panose="020B0604020202020204" pitchFamily="34" charset="0"/>
+              </a:rPr>
+              <a:t> </a:t>
+            </a:r>
+            <a:r>
+              <a:rPr lang="uk-UA" dirty="0" err="1">
+                <a:solidFill>
+                  <a:srgbClr val="92D050"/>
+                </a:solidFill>
+                <a:latin typeface="Arial" panose="020B0604020202020204" pitchFamily="34" charset="0"/>
+                <a:cs typeface="Arial" panose="020B0604020202020204" pitchFamily="34" charset="0"/>
+              </a:rPr>
+              <a:t>typeof</a:t>
+            </a:r>
+            <a:r>
+              <a:rPr lang="uk-UA" dirty="0">
+                <a:solidFill>
+                  <a:schemeClr val="bg1"/>
+                </a:solidFill>
+                <a:latin typeface="Arial" panose="020B0604020202020204" pitchFamily="34" charset="0"/>
+                <a:cs typeface="Arial" panose="020B0604020202020204" pitchFamily="34" charset="0"/>
+              </a:rPr>
+              <a:t> </a:t>
+            </a:r>
+            <a:r>
+              <a:rPr lang="uk-UA" dirty="0" err="1">
+                <a:solidFill>
+                  <a:schemeClr val="bg1"/>
+                </a:solidFill>
+                <a:latin typeface="Arial" panose="020B0604020202020204" pitchFamily="34" charset="0"/>
+                <a:cs typeface="Arial" panose="020B0604020202020204" pitchFamily="34" charset="0"/>
+              </a:rPr>
+              <a:t>operator</a:t>
+            </a:r>
+            <a:r>
+              <a:rPr lang="uk-UA" dirty="0">
+                <a:solidFill>
+                  <a:schemeClr val="bg1"/>
+                </a:solidFill>
+                <a:latin typeface="Arial" panose="020B0604020202020204" pitchFamily="34" charset="0"/>
+                <a:cs typeface="Arial" panose="020B0604020202020204" pitchFamily="34" charset="0"/>
+              </a:rPr>
+              <a:t> </a:t>
+            </a:r>
+            <a:r>
+              <a:rPr lang="uk-UA" dirty="0" err="1">
+                <a:solidFill>
+                  <a:schemeClr val="bg1"/>
+                </a:solidFill>
+                <a:latin typeface="Arial" panose="020B0604020202020204" pitchFamily="34" charset="0"/>
+                <a:cs typeface="Arial" panose="020B0604020202020204" pitchFamily="34" charset="0"/>
+              </a:rPr>
+              <a:t>to</a:t>
+            </a:r>
+            <a:r>
+              <a:rPr lang="uk-UA" dirty="0">
+                <a:solidFill>
+                  <a:schemeClr val="bg1"/>
+                </a:solidFill>
+                <a:latin typeface="Arial" panose="020B0604020202020204" pitchFamily="34" charset="0"/>
+                <a:cs typeface="Arial" panose="020B0604020202020204" pitchFamily="34" charset="0"/>
+              </a:rPr>
+              <a:t> </a:t>
+            </a:r>
+            <a:r>
+              <a:rPr lang="uk-UA" dirty="0" err="1">
+                <a:solidFill>
+                  <a:schemeClr val="bg1"/>
+                </a:solidFill>
+                <a:latin typeface="Arial" panose="020B0604020202020204" pitchFamily="34" charset="0"/>
+                <a:cs typeface="Arial" panose="020B0604020202020204" pitchFamily="34" charset="0"/>
+              </a:rPr>
+              <a:t>find</a:t>
+            </a:r>
+            <a:r>
+              <a:rPr lang="uk-UA" dirty="0">
+                <a:solidFill>
+                  <a:schemeClr val="bg1"/>
+                </a:solidFill>
+                <a:latin typeface="Arial" panose="020B0604020202020204" pitchFamily="34" charset="0"/>
+                <a:cs typeface="Arial" panose="020B0604020202020204" pitchFamily="34" charset="0"/>
+              </a:rPr>
+              <a:t> </a:t>
+            </a:r>
+            <a:r>
+              <a:rPr lang="uk-UA" dirty="0" err="1">
+                <a:solidFill>
+                  <a:schemeClr val="bg1"/>
+                </a:solidFill>
+                <a:latin typeface="Arial" panose="020B0604020202020204" pitchFamily="34" charset="0"/>
+                <a:cs typeface="Arial" panose="020B0604020202020204" pitchFamily="34" charset="0"/>
+              </a:rPr>
+              <a:t>the</a:t>
+            </a:r>
+            <a:r>
+              <a:rPr lang="uk-UA" dirty="0">
+                <a:solidFill>
+                  <a:schemeClr val="bg1"/>
+                </a:solidFill>
+                <a:latin typeface="Arial" panose="020B0604020202020204" pitchFamily="34" charset="0"/>
+                <a:cs typeface="Arial" panose="020B0604020202020204" pitchFamily="34" charset="0"/>
+              </a:rPr>
+              <a:t> </a:t>
+            </a:r>
+            <a:r>
+              <a:rPr lang="uk-UA" dirty="0" err="1">
+                <a:solidFill>
+                  <a:schemeClr val="bg1"/>
+                </a:solidFill>
+                <a:latin typeface="Arial" panose="020B0604020202020204" pitchFamily="34" charset="0"/>
+                <a:cs typeface="Arial" panose="020B0604020202020204" pitchFamily="34" charset="0"/>
+              </a:rPr>
+              <a:t>data</a:t>
+            </a:r>
+            <a:r>
+              <a:rPr lang="uk-UA" dirty="0">
+                <a:solidFill>
+                  <a:schemeClr val="bg1"/>
+                </a:solidFill>
+                <a:latin typeface="Arial" panose="020B0604020202020204" pitchFamily="34" charset="0"/>
+                <a:cs typeface="Arial" panose="020B0604020202020204" pitchFamily="34" charset="0"/>
+              </a:rPr>
+              <a:t> </a:t>
+            </a:r>
+            <a:r>
+              <a:rPr lang="uk-UA" dirty="0" err="1">
+                <a:solidFill>
+                  <a:schemeClr val="bg1"/>
+                </a:solidFill>
+                <a:latin typeface="Arial" panose="020B0604020202020204" pitchFamily="34" charset="0"/>
+                <a:cs typeface="Arial" panose="020B0604020202020204" pitchFamily="34" charset="0"/>
+              </a:rPr>
+              <a:t>type</a:t>
+            </a:r>
+            <a:r>
+              <a:rPr lang="uk-UA" dirty="0">
+                <a:solidFill>
+                  <a:schemeClr val="bg1"/>
+                </a:solidFill>
+                <a:latin typeface="Arial" panose="020B0604020202020204" pitchFamily="34" charset="0"/>
+                <a:cs typeface="Arial" panose="020B0604020202020204" pitchFamily="34" charset="0"/>
+              </a:rPr>
+              <a:t> </a:t>
+            </a:r>
+            <a:r>
+              <a:rPr lang="uk-UA" dirty="0" err="1">
+                <a:solidFill>
+                  <a:schemeClr val="bg1"/>
+                </a:solidFill>
+                <a:latin typeface="Arial" panose="020B0604020202020204" pitchFamily="34" charset="0"/>
+                <a:cs typeface="Arial" panose="020B0604020202020204" pitchFamily="34" charset="0"/>
+              </a:rPr>
+              <a:t>of</a:t>
+            </a:r>
+            <a:r>
+              <a:rPr lang="uk-UA" dirty="0">
+                <a:solidFill>
+                  <a:schemeClr val="bg1"/>
+                </a:solidFill>
+                <a:latin typeface="Arial" panose="020B0604020202020204" pitchFamily="34" charset="0"/>
+                <a:cs typeface="Arial" panose="020B0604020202020204" pitchFamily="34" charset="0"/>
+              </a:rPr>
+              <a:t> a </a:t>
+            </a:r>
+            <a:r>
+              <a:rPr lang="uk-UA" dirty="0" err="1">
+                <a:solidFill>
+                  <a:schemeClr val="bg1"/>
+                </a:solidFill>
+                <a:latin typeface="Arial" panose="020B0604020202020204" pitchFamily="34" charset="0"/>
+                <a:cs typeface="Arial" panose="020B0604020202020204" pitchFamily="34" charset="0"/>
+              </a:rPr>
+              <a:t>JavaScript</a:t>
+            </a:r>
+            <a:r>
+              <a:rPr lang="uk-UA" dirty="0">
+                <a:solidFill>
+                  <a:schemeClr val="bg1"/>
+                </a:solidFill>
+                <a:latin typeface="Arial" panose="020B0604020202020204" pitchFamily="34" charset="0"/>
+                <a:cs typeface="Arial" panose="020B0604020202020204" pitchFamily="34" charset="0"/>
+              </a:rPr>
+              <a:t> </a:t>
+            </a:r>
+            <a:r>
+              <a:rPr lang="uk-UA" dirty="0" err="1">
+                <a:solidFill>
+                  <a:schemeClr val="bg1"/>
+                </a:solidFill>
+                <a:latin typeface="Arial" panose="020B0604020202020204" pitchFamily="34" charset="0"/>
+                <a:cs typeface="Arial" panose="020B0604020202020204" pitchFamily="34" charset="0"/>
+              </a:rPr>
+              <a:t>variable</a:t>
+            </a:r>
+            <a:r>
+              <a:rPr lang="uk-UA" dirty="0">
+                <a:solidFill>
+                  <a:schemeClr val="bg1"/>
+                </a:solidFill>
+                <a:latin typeface="Arial" panose="020B0604020202020204" pitchFamily="34" charset="0"/>
+                <a:cs typeface="Arial" panose="020B0604020202020204" pitchFamily="34" charset="0"/>
+              </a:rPr>
+              <a:t>.</a:t>
+            </a:r>
+          </a:p>
+        </p:txBody>
+      </p:sp>
+      <p:pic>
+        <p:nvPicPr>
+          <p:cNvPr id="6" name="Рисунок 5"/>
+          <p:cNvPicPr>
+            <a:picLocks noChangeAspect="1"/>
+          </p:cNvPicPr>
+          <p:nvPr/>
+        </p:nvPicPr>
+        <p:blipFill>
+          <a:blip r:embed="rId2"/>
+          <a:stretch>
+            <a:fillRect/>
+          </a:stretch>
+        </p:blipFill>
+        <p:spPr>
+          <a:xfrm>
+            <a:off x="5670369" y="2926211"/>
+            <a:ext cx="5835831" cy="2309232"/>
+          </a:xfrm>
+          <a:prstGeom prst="rect">
+            <a:avLst/>
+          </a:prstGeom>
+        </p:spPr>
+      </p:pic>
+      <p:sp>
+        <p:nvSpPr>
+          <p:cNvPr id="7" name="Прямоугольник 6"/>
+          <p:cNvSpPr/>
+          <p:nvPr/>
+        </p:nvSpPr>
+        <p:spPr>
+          <a:xfrm>
+            <a:off x="685800" y="2896088"/>
+            <a:ext cx="4566424" cy="2118529"/>
+          </a:xfrm>
+          <a:prstGeom prst="rect">
+            <a:avLst/>
+          </a:prstGeom>
+        </p:spPr>
+        <p:txBody>
+          <a:bodyPr wrap="square">
+            <a:spAutoFit/>
+          </a:bodyPr>
+          <a:lstStyle/>
+          <a:p>
+            <a:pPr>
+              <a:lnSpc>
+                <a:spcPct val="150000"/>
+              </a:lnSpc>
+            </a:pPr>
+            <a:r>
+              <a:rPr lang="uk-UA" dirty="0" err="1">
+                <a:solidFill>
+                  <a:schemeClr val="bg1"/>
+                </a:solidFill>
+                <a:latin typeface="Arial" panose="020B0604020202020204" pitchFamily="34" charset="0"/>
+                <a:cs typeface="Arial" panose="020B0604020202020204" pitchFamily="34" charset="0"/>
+              </a:rPr>
+              <a:t>Please</a:t>
+            </a:r>
+            <a:r>
+              <a:rPr lang="uk-UA" dirty="0">
+                <a:solidFill>
+                  <a:schemeClr val="bg1"/>
+                </a:solidFill>
+                <a:latin typeface="Arial" panose="020B0604020202020204" pitchFamily="34" charset="0"/>
+                <a:cs typeface="Arial" panose="020B0604020202020204" pitchFamily="34" charset="0"/>
+              </a:rPr>
+              <a:t> </a:t>
+            </a:r>
+            <a:r>
+              <a:rPr lang="uk-UA" dirty="0" err="1">
+                <a:solidFill>
+                  <a:schemeClr val="bg1"/>
+                </a:solidFill>
+                <a:latin typeface="Arial" panose="020B0604020202020204" pitchFamily="34" charset="0"/>
+                <a:cs typeface="Arial" panose="020B0604020202020204" pitchFamily="34" charset="0"/>
+              </a:rPr>
+              <a:t>observe</a:t>
+            </a:r>
+            <a:r>
+              <a:rPr lang="uk-UA" dirty="0" smtClean="0">
+                <a:solidFill>
+                  <a:schemeClr val="bg1"/>
+                </a:solidFill>
+                <a:latin typeface="Arial" panose="020B0604020202020204" pitchFamily="34" charset="0"/>
+                <a:cs typeface="Arial" panose="020B0604020202020204" pitchFamily="34" charset="0"/>
+              </a:rPr>
+              <a:t>:</a:t>
+            </a:r>
+            <a:endParaRPr lang="en-US" dirty="0" smtClean="0">
+              <a:solidFill>
+                <a:schemeClr val="bg1"/>
+              </a:solidFill>
+              <a:latin typeface="Arial" panose="020B0604020202020204" pitchFamily="34" charset="0"/>
+              <a:cs typeface="Arial" panose="020B0604020202020204" pitchFamily="34" charset="0"/>
+            </a:endParaRPr>
+          </a:p>
+          <a:p>
+            <a:pPr marL="285750" indent="-285750">
+              <a:lnSpc>
+                <a:spcPct val="150000"/>
+              </a:lnSpc>
+              <a:buFont typeface="Wingdings" panose="05000000000000000000" pitchFamily="2" charset="2"/>
+              <a:buChar char="ü"/>
+            </a:pPr>
+            <a:r>
+              <a:rPr lang="uk-UA" dirty="0" smtClean="0">
+                <a:solidFill>
+                  <a:schemeClr val="bg1"/>
+                </a:solidFill>
+                <a:latin typeface="Arial" panose="020B0604020202020204" pitchFamily="34" charset="0"/>
+                <a:cs typeface="Arial" panose="020B0604020202020204" pitchFamily="34" charset="0"/>
+              </a:rPr>
+              <a:t> </a:t>
+            </a:r>
+            <a:r>
+              <a:rPr lang="uk-UA" dirty="0" err="1">
+                <a:solidFill>
+                  <a:schemeClr val="bg1"/>
+                </a:solidFill>
+                <a:latin typeface="Arial" panose="020B0604020202020204" pitchFamily="34" charset="0"/>
+                <a:cs typeface="Arial" panose="020B0604020202020204" pitchFamily="34" charset="0"/>
+              </a:rPr>
+              <a:t>The</a:t>
+            </a:r>
+            <a:r>
+              <a:rPr lang="uk-UA" dirty="0">
+                <a:solidFill>
+                  <a:schemeClr val="bg1"/>
+                </a:solidFill>
+                <a:latin typeface="Arial" panose="020B0604020202020204" pitchFamily="34" charset="0"/>
+                <a:cs typeface="Arial" panose="020B0604020202020204" pitchFamily="34" charset="0"/>
+              </a:rPr>
+              <a:t> </a:t>
+            </a:r>
+            <a:r>
+              <a:rPr lang="uk-UA" dirty="0" err="1">
+                <a:solidFill>
+                  <a:schemeClr val="bg1"/>
+                </a:solidFill>
+                <a:latin typeface="Arial" panose="020B0604020202020204" pitchFamily="34" charset="0"/>
+                <a:cs typeface="Arial" panose="020B0604020202020204" pitchFamily="34" charset="0"/>
+              </a:rPr>
+              <a:t>data</a:t>
+            </a:r>
+            <a:r>
+              <a:rPr lang="uk-UA" dirty="0">
+                <a:solidFill>
+                  <a:schemeClr val="bg1"/>
+                </a:solidFill>
+                <a:latin typeface="Arial" panose="020B0604020202020204" pitchFamily="34" charset="0"/>
+                <a:cs typeface="Arial" panose="020B0604020202020204" pitchFamily="34" charset="0"/>
+              </a:rPr>
+              <a:t> </a:t>
+            </a:r>
+            <a:r>
+              <a:rPr lang="uk-UA" dirty="0" err="1">
+                <a:solidFill>
+                  <a:schemeClr val="bg1"/>
+                </a:solidFill>
+                <a:latin typeface="Arial" panose="020B0604020202020204" pitchFamily="34" charset="0"/>
+                <a:cs typeface="Arial" panose="020B0604020202020204" pitchFamily="34" charset="0"/>
+              </a:rPr>
+              <a:t>type</a:t>
+            </a:r>
+            <a:r>
+              <a:rPr lang="uk-UA" dirty="0">
+                <a:solidFill>
+                  <a:schemeClr val="bg1"/>
+                </a:solidFill>
+                <a:latin typeface="Arial" panose="020B0604020202020204" pitchFamily="34" charset="0"/>
+                <a:cs typeface="Arial" panose="020B0604020202020204" pitchFamily="34" charset="0"/>
+              </a:rPr>
+              <a:t> </a:t>
+            </a:r>
+            <a:r>
+              <a:rPr lang="uk-UA" dirty="0" err="1">
+                <a:solidFill>
+                  <a:schemeClr val="bg1"/>
+                </a:solidFill>
+                <a:latin typeface="Arial" panose="020B0604020202020204" pitchFamily="34" charset="0"/>
+                <a:cs typeface="Arial" panose="020B0604020202020204" pitchFamily="34" charset="0"/>
+              </a:rPr>
+              <a:t>of</a:t>
+            </a:r>
+            <a:r>
+              <a:rPr lang="uk-UA" dirty="0">
+                <a:solidFill>
+                  <a:schemeClr val="bg1"/>
+                </a:solidFill>
+                <a:latin typeface="Arial" panose="020B0604020202020204" pitchFamily="34" charset="0"/>
+                <a:cs typeface="Arial" panose="020B0604020202020204" pitchFamily="34" charset="0"/>
+              </a:rPr>
+              <a:t> </a:t>
+            </a:r>
+            <a:r>
+              <a:rPr lang="uk-UA" dirty="0" err="1">
+                <a:solidFill>
+                  <a:schemeClr val="bg1"/>
+                </a:solidFill>
+                <a:latin typeface="Arial" panose="020B0604020202020204" pitchFamily="34" charset="0"/>
+                <a:cs typeface="Arial" panose="020B0604020202020204" pitchFamily="34" charset="0"/>
+              </a:rPr>
+              <a:t>NaN</a:t>
+            </a:r>
+            <a:r>
+              <a:rPr lang="uk-UA" dirty="0">
+                <a:solidFill>
+                  <a:schemeClr val="bg1"/>
+                </a:solidFill>
+                <a:latin typeface="Arial" panose="020B0604020202020204" pitchFamily="34" charset="0"/>
+                <a:cs typeface="Arial" panose="020B0604020202020204" pitchFamily="34" charset="0"/>
+              </a:rPr>
+              <a:t> </a:t>
+            </a:r>
+            <a:r>
+              <a:rPr lang="uk-UA" dirty="0" err="1">
+                <a:solidFill>
+                  <a:schemeClr val="bg1"/>
+                </a:solidFill>
+                <a:latin typeface="Arial" panose="020B0604020202020204" pitchFamily="34" charset="0"/>
+                <a:cs typeface="Arial" panose="020B0604020202020204" pitchFamily="34" charset="0"/>
+              </a:rPr>
+              <a:t>is</a:t>
+            </a:r>
+            <a:r>
+              <a:rPr lang="uk-UA" dirty="0">
+                <a:solidFill>
+                  <a:schemeClr val="bg1"/>
+                </a:solidFill>
+                <a:latin typeface="Arial" panose="020B0604020202020204" pitchFamily="34" charset="0"/>
+                <a:cs typeface="Arial" panose="020B0604020202020204" pitchFamily="34" charset="0"/>
+              </a:rPr>
+              <a:t> </a:t>
+            </a:r>
+            <a:r>
+              <a:rPr lang="uk-UA" dirty="0" err="1" smtClean="0">
+                <a:solidFill>
+                  <a:schemeClr val="bg1"/>
+                </a:solidFill>
+                <a:latin typeface="Arial" panose="020B0604020202020204" pitchFamily="34" charset="0"/>
+                <a:cs typeface="Arial" panose="020B0604020202020204" pitchFamily="34" charset="0"/>
+              </a:rPr>
+              <a:t>number</a:t>
+            </a:r>
+            <a:endParaRPr lang="en-US" dirty="0" smtClean="0">
+              <a:solidFill>
+                <a:schemeClr val="bg1"/>
+              </a:solidFill>
+              <a:latin typeface="Arial" panose="020B0604020202020204" pitchFamily="34" charset="0"/>
+              <a:cs typeface="Arial" panose="020B0604020202020204" pitchFamily="34" charset="0"/>
+            </a:endParaRPr>
+          </a:p>
+          <a:p>
+            <a:pPr marL="285750" indent="-285750">
+              <a:lnSpc>
+                <a:spcPct val="150000"/>
+              </a:lnSpc>
+              <a:buFont typeface="Wingdings" panose="05000000000000000000" pitchFamily="2" charset="2"/>
+              <a:buChar char="ü"/>
+            </a:pPr>
+            <a:r>
+              <a:rPr lang="uk-UA" dirty="0" smtClean="0">
+                <a:solidFill>
+                  <a:schemeClr val="bg1"/>
+                </a:solidFill>
+                <a:latin typeface="Arial" panose="020B0604020202020204" pitchFamily="34" charset="0"/>
+                <a:cs typeface="Arial" panose="020B0604020202020204" pitchFamily="34" charset="0"/>
+              </a:rPr>
+              <a:t> </a:t>
+            </a:r>
+            <a:r>
+              <a:rPr lang="uk-UA" dirty="0" err="1">
+                <a:solidFill>
+                  <a:schemeClr val="bg1"/>
+                </a:solidFill>
+                <a:latin typeface="Arial" panose="020B0604020202020204" pitchFamily="34" charset="0"/>
+                <a:cs typeface="Arial" panose="020B0604020202020204" pitchFamily="34" charset="0"/>
+              </a:rPr>
+              <a:t>The</a:t>
+            </a:r>
+            <a:r>
+              <a:rPr lang="uk-UA" dirty="0">
+                <a:solidFill>
+                  <a:schemeClr val="bg1"/>
+                </a:solidFill>
+                <a:latin typeface="Arial" panose="020B0604020202020204" pitchFamily="34" charset="0"/>
+                <a:cs typeface="Arial" panose="020B0604020202020204" pitchFamily="34" charset="0"/>
+              </a:rPr>
+              <a:t> </a:t>
+            </a:r>
+            <a:r>
+              <a:rPr lang="uk-UA" dirty="0" err="1">
+                <a:solidFill>
+                  <a:schemeClr val="bg1"/>
+                </a:solidFill>
+                <a:latin typeface="Arial" panose="020B0604020202020204" pitchFamily="34" charset="0"/>
+                <a:cs typeface="Arial" panose="020B0604020202020204" pitchFamily="34" charset="0"/>
+              </a:rPr>
+              <a:t>data</a:t>
+            </a:r>
+            <a:r>
+              <a:rPr lang="uk-UA" dirty="0">
+                <a:solidFill>
+                  <a:schemeClr val="bg1"/>
+                </a:solidFill>
+                <a:latin typeface="Arial" panose="020B0604020202020204" pitchFamily="34" charset="0"/>
+                <a:cs typeface="Arial" panose="020B0604020202020204" pitchFamily="34" charset="0"/>
+              </a:rPr>
+              <a:t> </a:t>
+            </a:r>
+            <a:r>
+              <a:rPr lang="uk-UA" dirty="0" err="1">
+                <a:solidFill>
+                  <a:schemeClr val="bg1"/>
+                </a:solidFill>
+                <a:latin typeface="Arial" panose="020B0604020202020204" pitchFamily="34" charset="0"/>
+                <a:cs typeface="Arial" panose="020B0604020202020204" pitchFamily="34" charset="0"/>
+              </a:rPr>
+              <a:t>type</a:t>
+            </a:r>
+            <a:r>
+              <a:rPr lang="uk-UA" dirty="0">
+                <a:solidFill>
+                  <a:schemeClr val="bg1"/>
+                </a:solidFill>
+                <a:latin typeface="Arial" panose="020B0604020202020204" pitchFamily="34" charset="0"/>
+                <a:cs typeface="Arial" panose="020B0604020202020204" pitchFamily="34" charset="0"/>
+              </a:rPr>
+              <a:t> </a:t>
+            </a:r>
+            <a:r>
+              <a:rPr lang="uk-UA" dirty="0" err="1">
+                <a:solidFill>
+                  <a:schemeClr val="bg1"/>
+                </a:solidFill>
+                <a:latin typeface="Arial" panose="020B0604020202020204" pitchFamily="34" charset="0"/>
+                <a:cs typeface="Arial" panose="020B0604020202020204" pitchFamily="34" charset="0"/>
+              </a:rPr>
+              <a:t>of</a:t>
+            </a:r>
+            <a:r>
+              <a:rPr lang="uk-UA" dirty="0">
+                <a:solidFill>
+                  <a:schemeClr val="bg1"/>
+                </a:solidFill>
+                <a:latin typeface="Arial" panose="020B0604020202020204" pitchFamily="34" charset="0"/>
+                <a:cs typeface="Arial" panose="020B0604020202020204" pitchFamily="34" charset="0"/>
+              </a:rPr>
+              <a:t> </a:t>
+            </a:r>
+            <a:r>
+              <a:rPr lang="uk-UA" dirty="0" err="1">
+                <a:solidFill>
+                  <a:schemeClr val="bg1"/>
+                </a:solidFill>
+                <a:latin typeface="Arial" panose="020B0604020202020204" pitchFamily="34" charset="0"/>
+                <a:cs typeface="Arial" panose="020B0604020202020204" pitchFamily="34" charset="0"/>
+              </a:rPr>
+              <a:t>an</a:t>
+            </a:r>
+            <a:r>
+              <a:rPr lang="uk-UA" dirty="0">
+                <a:solidFill>
+                  <a:schemeClr val="bg1"/>
+                </a:solidFill>
+                <a:latin typeface="Arial" panose="020B0604020202020204" pitchFamily="34" charset="0"/>
+                <a:cs typeface="Arial" panose="020B0604020202020204" pitchFamily="34" charset="0"/>
+              </a:rPr>
+              <a:t> </a:t>
+            </a:r>
+            <a:r>
+              <a:rPr lang="uk-UA" dirty="0" err="1">
+                <a:solidFill>
+                  <a:schemeClr val="bg1"/>
+                </a:solidFill>
+                <a:latin typeface="Arial" panose="020B0604020202020204" pitchFamily="34" charset="0"/>
+                <a:cs typeface="Arial" panose="020B0604020202020204" pitchFamily="34" charset="0"/>
+              </a:rPr>
+              <a:t>array</a:t>
+            </a:r>
+            <a:r>
+              <a:rPr lang="uk-UA" dirty="0">
+                <a:solidFill>
+                  <a:schemeClr val="bg1"/>
+                </a:solidFill>
+                <a:latin typeface="Arial" panose="020B0604020202020204" pitchFamily="34" charset="0"/>
+                <a:cs typeface="Arial" panose="020B0604020202020204" pitchFamily="34" charset="0"/>
+              </a:rPr>
+              <a:t> </a:t>
+            </a:r>
+            <a:r>
+              <a:rPr lang="uk-UA" dirty="0" err="1">
+                <a:solidFill>
+                  <a:schemeClr val="bg1"/>
+                </a:solidFill>
+                <a:latin typeface="Arial" panose="020B0604020202020204" pitchFamily="34" charset="0"/>
+                <a:cs typeface="Arial" panose="020B0604020202020204" pitchFamily="34" charset="0"/>
+              </a:rPr>
+              <a:t>is</a:t>
+            </a:r>
+            <a:r>
+              <a:rPr lang="uk-UA" dirty="0">
+                <a:solidFill>
+                  <a:schemeClr val="bg1"/>
+                </a:solidFill>
+                <a:latin typeface="Arial" panose="020B0604020202020204" pitchFamily="34" charset="0"/>
+                <a:cs typeface="Arial" panose="020B0604020202020204" pitchFamily="34" charset="0"/>
+              </a:rPr>
+              <a:t> </a:t>
+            </a:r>
+            <a:r>
+              <a:rPr lang="uk-UA" dirty="0" err="1" smtClean="0">
+                <a:solidFill>
+                  <a:schemeClr val="bg1"/>
+                </a:solidFill>
+                <a:latin typeface="Arial" panose="020B0604020202020204" pitchFamily="34" charset="0"/>
+                <a:cs typeface="Arial" panose="020B0604020202020204" pitchFamily="34" charset="0"/>
+              </a:rPr>
+              <a:t>object</a:t>
+            </a:r>
+            <a:endParaRPr lang="en-US" dirty="0" smtClean="0">
+              <a:solidFill>
+                <a:schemeClr val="bg1"/>
+              </a:solidFill>
+              <a:latin typeface="Arial" panose="020B0604020202020204" pitchFamily="34" charset="0"/>
+              <a:cs typeface="Arial" panose="020B0604020202020204" pitchFamily="34" charset="0"/>
+            </a:endParaRPr>
+          </a:p>
+          <a:p>
+            <a:pPr marL="285750" indent="-285750">
+              <a:lnSpc>
+                <a:spcPct val="150000"/>
+              </a:lnSpc>
+              <a:buFont typeface="Wingdings" panose="05000000000000000000" pitchFamily="2" charset="2"/>
+              <a:buChar char="ü"/>
+            </a:pPr>
+            <a:r>
+              <a:rPr lang="uk-UA" dirty="0" smtClean="0">
+                <a:solidFill>
+                  <a:schemeClr val="bg1"/>
+                </a:solidFill>
+                <a:latin typeface="Arial" panose="020B0604020202020204" pitchFamily="34" charset="0"/>
+                <a:cs typeface="Arial" panose="020B0604020202020204" pitchFamily="34" charset="0"/>
+              </a:rPr>
+              <a:t> </a:t>
+            </a:r>
+            <a:r>
+              <a:rPr lang="uk-UA" dirty="0" err="1">
+                <a:solidFill>
+                  <a:schemeClr val="bg1"/>
+                </a:solidFill>
+                <a:latin typeface="Arial" panose="020B0604020202020204" pitchFamily="34" charset="0"/>
+                <a:cs typeface="Arial" panose="020B0604020202020204" pitchFamily="34" charset="0"/>
+              </a:rPr>
+              <a:t>The</a:t>
+            </a:r>
+            <a:r>
+              <a:rPr lang="uk-UA" dirty="0">
+                <a:solidFill>
+                  <a:schemeClr val="bg1"/>
+                </a:solidFill>
+                <a:latin typeface="Arial" panose="020B0604020202020204" pitchFamily="34" charset="0"/>
+                <a:cs typeface="Arial" panose="020B0604020202020204" pitchFamily="34" charset="0"/>
+              </a:rPr>
+              <a:t> </a:t>
+            </a:r>
+            <a:r>
+              <a:rPr lang="uk-UA" dirty="0" err="1">
+                <a:solidFill>
+                  <a:schemeClr val="bg1"/>
+                </a:solidFill>
+                <a:latin typeface="Arial" panose="020B0604020202020204" pitchFamily="34" charset="0"/>
+                <a:cs typeface="Arial" panose="020B0604020202020204" pitchFamily="34" charset="0"/>
+              </a:rPr>
+              <a:t>data</a:t>
+            </a:r>
+            <a:r>
+              <a:rPr lang="uk-UA" dirty="0">
+                <a:solidFill>
+                  <a:schemeClr val="bg1"/>
+                </a:solidFill>
+                <a:latin typeface="Arial" panose="020B0604020202020204" pitchFamily="34" charset="0"/>
+                <a:cs typeface="Arial" panose="020B0604020202020204" pitchFamily="34" charset="0"/>
+              </a:rPr>
+              <a:t> </a:t>
+            </a:r>
+            <a:r>
+              <a:rPr lang="uk-UA" dirty="0" err="1">
+                <a:solidFill>
+                  <a:schemeClr val="bg1"/>
+                </a:solidFill>
+                <a:latin typeface="Arial" panose="020B0604020202020204" pitchFamily="34" charset="0"/>
+                <a:cs typeface="Arial" panose="020B0604020202020204" pitchFamily="34" charset="0"/>
+              </a:rPr>
+              <a:t>type</a:t>
+            </a:r>
+            <a:r>
+              <a:rPr lang="uk-UA" dirty="0">
+                <a:solidFill>
+                  <a:schemeClr val="bg1"/>
+                </a:solidFill>
+                <a:latin typeface="Arial" panose="020B0604020202020204" pitchFamily="34" charset="0"/>
+                <a:cs typeface="Arial" panose="020B0604020202020204" pitchFamily="34" charset="0"/>
+              </a:rPr>
+              <a:t> </a:t>
+            </a:r>
+            <a:r>
+              <a:rPr lang="uk-UA" dirty="0" err="1">
+                <a:solidFill>
+                  <a:schemeClr val="bg1"/>
+                </a:solidFill>
+                <a:latin typeface="Arial" panose="020B0604020202020204" pitchFamily="34" charset="0"/>
+                <a:cs typeface="Arial" panose="020B0604020202020204" pitchFamily="34" charset="0"/>
+              </a:rPr>
+              <a:t>of</a:t>
+            </a:r>
+            <a:r>
+              <a:rPr lang="uk-UA" dirty="0">
+                <a:solidFill>
+                  <a:schemeClr val="bg1"/>
+                </a:solidFill>
+                <a:latin typeface="Arial" panose="020B0604020202020204" pitchFamily="34" charset="0"/>
+                <a:cs typeface="Arial" panose="020B0604020202020204" pitchFamily="34" charset="0"/>
+              </a:rPr>
+              <a:t> a </a:t>
+            </a:r>
+            <a:r>
+              <a:rPr lang="uk-UA" dirty="0" err="1">
+                <a:solidFill>
+                  <a:schemeClr val="bg1"/>
+                </a:solidFill>
+                <a:latin typeface="Arial" panose="020B0604020202020204" pitchFamily="34" charset="0"/>
+                <a:cs typeface="Arial" panose="020B0604020202020204" pitchFamily="34" charset="0"/>
+              </a:rPr>
+              <a:t>date</a:t>
+            </a:r>
+            <a:r>
+              <a:rPr lang="uk-UA" dirty="0">
+                <a:solidFill>
+                  <a:schemeClr val="bg1"/>
+                </a:solidFill>
+                <a:latin typeface="Arial" panose="020B0604020202020204" pitchFamily="34" charset="0"/>
+                <a:cs typeface="Arial" panose="020B0604020202020204" pitchFamily="34" charset="0"/>
+              </a:rPr>
+              <a:t> </a:t>
+            </a:r>
+            <a:r>
+              <a:rPr lang="uk-UA" dirty="0" err="1">
+                <a:solidFill>
+                  <a:schemeClr val="bg1"/>
+                </a:solidFill>
+                <a:latin typeface="Arial" panose="020B0604020202020204" pitchFamily="34" charset="0"/>
+                <a:cs typeface="Arial" panose="020B0604020202020204" pitchFamily="34" charset="0"/>
+              </a:rPr>
+              <a:t>is</a:t>
+            </a:r>
+            <a:r>
+              <a:rPr lang="uk-UA" dirty="0">
+                <a:solidFill>
+                  <a:schemeClr val="bg1"/>
+                </a:solidFill>
+                <a:latin typeface="Arial" panose="020B0604020202020204" pitchFamily="34" charset="0"/>
+                <a:cs typeface="Arial" panose="020B0604020202020204" pitchFamily="34" charset="0"/>
+              </a:rPr>
+              <a:t> </a:t>
+            </a:r>
+            <a:r>
+              <a:rPr lang="uk-UA" dirty="0" err="1">
+                <a:solidFill>
+                  <a:schemeClr val="bg1"/>
+                </a:solidFill>
+                <a:latin typeface="Arial" panose="020B0604020202020204" pitchFamily="34" charset="0"/>
+                <a:cs typeface="Arial" panose="020B0604020202020204" pitchFamily="34" charset="0"/>
+              </a:rPr>
+              <a:t>object</a:t>
+            </a:r>
+            <a:r>
+              <a:rPr lang="uk-UA" dirty="0">
+                <a:solidFill>
+                  <a:schemeClr val="bg1"/>
+                </a:solidFill>
+                <a:latin typeface="Arial" panose="020B0604020202020204" pitchFamily="34" charset="0"/>
+                <a:cs typeface="Arial" panose="020B0604020202020204" pitchFamily="34" charset="0"/>
+              </a:rPr>
+              <a:t> </a:t>
+            </a:r>
+            <a:endParaRPr lang="en-US" dirty="0" smtClean="0">
+              <a:solidFill>
+                <a:schemeClr val="bg1"/>
+              </a:solidFill>
+              <a:latin typeface="Arial" panose="020B0604020202020204" pitchFamily="34" charset="0"/>
+              <a:cs typeface="Arial" panose="020B0604020202020204" pitchFamily="34" charset="0"/>
+            </a:endParaRPr>
+          </a:p>
+          <a:p>
+            <a:pPr marL="285750" indent="-285750">
+              <a:lnSpc>
+                <a:spcPct val="150000"/>
+              </a:lnSpc>
+              <a:buFont typeface="Wingdings" panose="05000000000000000000" pitchFamily="2" charset="2"/>
+              <a:buChar char="ü"/>
+            </a:pPr>
+            <a:r>
+              <a:rPr lang="uk-UA" dirty="0" err="1" smtClean="0">
+                <a:solidFill>
+                  <a:schemeClr val="bg1"/>
+                </a:solidFill>
+                <a:latin typeface="Arial" panose="020B0604020202020204" pitchFamily="34" charset="0"/>
+                <a:cs typeface="Arial" panose="020B0604020202020204" pitchFamily="34" charset="0"/>
+              </a:rPr>
+              <a:t>The</a:t>
+            </a:r>
+            <a:r>
+              <a:rPr lang="uk-UA" dirty="0" smtClean="0">
+                <a:solidFill>
+                  <a:schemeClr val="bg1"/>
+                </a:solidFill>
+                <a:latin typeface="Arial" panose="020B0604020202020204" pitchFamily="34" charset="0"/>
+                <a:cs typeface="Arial" panose="020B0604020202020204" pitchFamily="34" charset="0"/>
+              </a:rPr>
+              <a:t> </a:t>
+            </a:r>
+            <a:r>
+              <a:rPr lang="uk-UA" dirty="0" err="1">
+                <a:solidFill>
+                  <a:schemeClr val="bg1"/>
+                </a:solidFill>
+                <a:latin typeface="Arial" panose="020B0604020202020204" pitchFamily="34" charset="0"/>
+                <a:cs typeface="Arial" panose="020B0604020202020204" pitchFamily="34" charset="0"/>
+              </a:rPr>
+              <a:t>data</a:t>
+            </a:r>
+            <a:r>
+              <a:rPr lang="uk-UA" dirty="0">
+                <a:solidFill>
+                  <a:schemeClr val="bg1"/>
+                </a:solidFill>
+                <a:latin typeface="Arial" panose="020B0604020202020204" pitchFamily="34" charset="0"/>
+                <a:cs typeface="Arial" panose="020B0604020202020204" pitchFamily="34" charset="0"/>
+              </a:rPr>
+              <a:t> </a:t>
+            </a:r>
+            <a:r>
+              <a:rPr lang="uk-UA" dirty="0" err="1">
+                <a:solidFill>
+                  <a:schemeClr val="bg1"/>
+                </a:solidFill>
+                <a:latin typeface="Arial" panose="020B0604020202020204" pitchFamily="34" charset="0"/>
+                <a:cs typeface="Arial" panose="020B0604020202020204" pitchFamily="34" charset="0"/>
+              </a:rPr>
+              <a:t>type</a:t>
+            </a:r>
+            <a:r>
+              <a:rPr lang="uk-UA" dirty="0">
+                <a:solidFill>
+                  <a:schemeClr val="bg1"/>
+                </a:solidFill>
+                <a:latin typeface="Arial" panose="020B0604020202020204" pitchFamily="34" charset="0"/>
+                <a:cs typeface="Arial" panose="020B0604020202020204" pitchFamily="34" charset="0"/>
+              </a:rPr>
+              <a:t> </a:t>
+            </a:r>
+            <a:r>
+              <a:rPr lang="uk-UA" dirty="0" err="1">
+                <a:solidFill>
+                  <a:schemeClr val="bg1"/>
+                </a:solidFill>
+                <a:latin typeface="Arial" panose="020B0604020202020204" pitchFamily="34" charset="0"/>
+                <a:cs typeface="Arial" panose="020B0604020202020204" pitchFamily="34" charset="0"/>
+              </a:rPr>
+              <a:t>of</a:t>
+            </a:r>
+            <a:r>
+              <a:rPr lang="uk-UA" dirty="0">
+                <a:solidFill>
+                  <a:schemeClr val="bg1"/>
+                </a:solidFill>
+                <a:latin typeface="Arial" panose="020B0604020202020204" pitchFamily="34" charset="0"/>
+                <a:cs typeface="Arial" panose="020B0604020202020204" pitchFamily="34" charset="0"/>
+              </a:rPr>
+              <a:t> </a:t>
+            </a:r>
+            <a:r>
+              <a:rPr lang="uk-UA" dirty="0" err="1">
+                <a:solidFill>
+                  <a:schemeClr val="bg1"/>
+                </a:solidFill>
+                <a:latin typeface="Arial" panose="020B0604020202020204" pitchFamily="34" charset="0"/>
+                <a:cs typeface="Arial" panose="020B0604020202020204" pitchFamily="34" charset="0"/>
+              </a:rPr>
+              <a:t>null</a:t>
+            </a:r>
+            <a:r>
+              <a:rPr lang="uk-UA" dirty="0">
+                <a:solidFill>
+                  <a:schemeClr val="bg1"/>
+                </a:solidFill>
+                <a:latin typeface="Arial" panose="020B0604020202020204" pitchFamily="34" charset="0"/>
+                <a:cs typeface="Arial" panose="020B0604020202020204" pitchFamily="34" charset="0"/>
+              </a:rPr>
+              <a:t> </a:t>
+            </a:r>
+            <a:r>
+              <a:rPr lang="uk-UA" dirty="0" err="1">
+                <a:solidFill>
+                  <a:schemeClr val="bg1"/>
+                </a:solidFill>
+                <a:latin typeface="Arial" panose="020B0604020202020204" pitchFamily="34" charset="0"/>
+                <a:cs typeface="Arial" panose="020B0604020202020204" pitchFamily="34" charset="0"/>
+              </a:rPr>
+              <a:t>is</a:t>
+            </a:r>
+            <a:r>
+              <a:rPr lang="uk-UA" dirty="0">
+                <a:solidFill>
+                  <a:schemeClr val="bg1"/>
+                </a:solidFill>
+                <a:latin typeface="Arial" panose="020B0604020202020204" pitchFamily="34" charset="0"/>
+                <a:cs typeface="Arial" panose="020B0604020202020204" pitchFamily="34" charset="0"/>
+              </a:rPr>
+              <a:t> </a:t>
+            </a:r>
+            <a:r>
+              <a:rPr lang="uk-UA" dirty="0" err="1">
+                <a:solidFill>
+                  <a:schemeClr val="bg1"/>
+                </a:solidFill>
+                <a:latin typeface="Arial" panose="020B0604020202020204" pitchFamily="34" charset="0"/>
+                <a:cs typeface="Arial" panose="020B0604020202020204" pitchFamily="34" charset="0"/>
+              </a:rPr>
+              <a:t>object</a:t>
+            </a:r>
+            <a:endParaRPr lang="uk-UA" dirty="0">
+              <a:solidFill>
+                <a:schemeClr val="bg1"/>
+              </a:solidFill>
+              <a:latin typeface="Arial" panose="020B0604020202020204" pitchFamily="34" charset="0"/>
+              <a:cs typeface="Arial" panose="020B0604020202020204" pitchFamily="34" charset="0"/>
+            </a:endParaRPr>
+          </a:p>
+        </p:txBody>
+      </p:sp>
+    </p:spTree>
+    <p:extLst>
+      <p:ext uri="{BB962C8B-B14F-4D97-AF65-F5344CB8AC3E}">
+        <p14:creationId xmlns:p14="http://schemas.microsoft.com/office/powerpoint/2010/main" val="3715395472"/>
+      </p:ext>
+    </p:extLst>
+  </p:cSld>
+  <p:clrMapOvr>
+    <a:masterClrMapping/>
+  </p:clrMapOvr>
+</p:sld>
+</file>
+
+<file path=ppt/slides/slide12.xml><?xml version="1.0" encoding="utf-8"?>
+<p:sld xmlns:a="http://schemas.openxmlformats.org/drawingml/2006/main" xmlns:r="http://schemas.openxmlformats.org/officeDocument/2006/relationships" xmlns:p="http://schemas.openxmlformats.org/presentationml/2006/main">
+  <p:cSld>
+    <p:spTree>
+      <p:nvGrpSpPr>
+        <p:cNvPr id="1" name=""/>
+        <p:cNvGrpSpPr/>
+        <p:nvPr/>
+      </p:nvGrpSpPr>
+      <p:grpSpPr>
+        <a:xfrm>
+          <a:off x="0" y="0"/>
+          <a:ext cx="0" cy="0"/>
+          <a:chOff x="0" y="0"/>
+          <a:chExt cx="0" cy="0"/>
+        </a:xfrm>
+      </p:grpSpPr>
+      <p:sp>
+        <p:nvSpPr>
+          <p:cNvPr id="2" name="Заголовок 1"/>
+          <p:cNvSpPr>
+            <a:spLocks noGrp="1"/>
+          </p:cNvSpPr>
+          <p:nvPr>
+            <p:ph type="title"/>
+          </p:nvPr>
+        </p:nvSpPr>
+        <p:spPr/>
+        <p:txBody>
+          <a:bodyPr/>
+          <a:lstStyle/>
+          <a:p>
+            <a:r>
               <a:rPr lang="en-US" dirty="0" smtClean="0"/>
               <a:t>Type conversion</a:t>
             </a:r>
@@ -13826,7 +14929,7 @@
 </p:sld>
 </file>
 
-<file path=ppt/slides/slide12.xml><?xml version="1.0" encoding="utf-8"?>
+<file path=ppt/slides/slide13.xml><?xml version="1.0" encoding="utf-8"?>
 <p:sld xmlns:a="http://schemas.openxmlformats.org/drawingml/2006/main" xmlns:r="http://schemas.openxmlformats.org/officeDocument/2006/relationships" xmlns:p="http://schemas.openxmlformats.org/presentationml/2006/main">
   <p:cSld>
     <p:spTree>
@@ -14252,7 +15355,7 @@
 </p:sld>
 </file>
 
-<file path=ppt/slides/slide13.xml><?xml version="1.0" encoding="utf-8"?>
+<file path=ppt/slides/slide14.xml><?xml version="1.0" encoding="utf-8"?>
 <p:sld xmlns:a="http://schemas.openxmlformats.org/drawingml/2006/main" xmlns:r="http://schemas.openxmlformats.org/officeDocument/2006/relationships" xmlns:p="http://schemas.openxmlformats.org/presentationml/2006/main">
   <p:cSld>
     <p:spTree>
@@ -14675,7 +15778,7 @@
 </p:sld>
 </file>
 
-<file path=ppt/slides/slide14.xml><?xml version="1.0" encoding="utf-8"?>
+<file path=ppt/slides/slide15.xml><?xml version="1.0" encoding="utf-8"?>
 <p:sld xmlns:a="http://schemas.openxmlformats.org/drawingml/2006/main" xmlns:r="http://schemas.openxmlformats.org/officeDocument/2006/relationships" xmlns:p="http://schemas.openxmlformats.org/presentationml/2006/main">
   <p:cSld>
     <p:spTree>
@@ -14859,7 +15962,7 @@
 </p:sld>
 </file>
 
-<file path=ppt/slides/slide15.xml><?xml version="1.0" encoding="utf-8"?>
+<file path=ppt/slides/slide16.xml><?xml version="1.0" encoding="utf-8"?>
 <p:sld xmlns:a="http://schemas.openxmlformats.org/drawingml/2006/main" xmlns:r="http://schemas.openxmlformats.org/officeDocument/2006/relationships" xmlns:p="http://schemas.openxmlformats.org/presentationml/2006/main">
   <p:cSld>
     <p:spTree>
@@ -15057,7 +16160,7 @@
 </p:sld>
 </file>
 
-<file path=ppt/slides/slide16.xml><?xml version="1.0" encoding="utf-8"?>
+<file path=ppt/slides/slide17.xml><?xml version="1.0" encoding="utf-8"?>
 <p:sld xmlns:a="http://schemas.openxmlformats.org/drawingml/2006/main" xmlns:r="http://schemas.openxmlformats.org/officeDocument/2006/relationships" xmlns:p="http://schemas.openxmlformats.org/presentationml/2006/main">
   <p:cSld>
     <p:spTree>
@@ -15702,112 +16805,6 @@
               <a:t>).</a:t>
             </a:r>
             <a:endParaRPr lang="en-US" dirty="0">
-              <a:solidFill>
-                <a:schemeClr val="bg1"/>
-              </a:solidFill>
-              <a:latin typeface="Arial" panose="020B0604020202020204" pitchFamily="34" charset="0"/>
-              <a:cs typeface="Arial" panose="020B0604020202020204" pitchFamily="34" charset="0"/>
-            </a:endParaRPr>
-          </a:p>
-        </p:txBody>
-      </p:sp>
-      <p:sp>
-        <p:nvSpPr>
-          <p:cNvPr id="6" name="Прямоугольник 5"/>
-          <p:cNvSpPr/>
-          <p:nvPr/>
-        </p:nvSpPr>
-        <p:spPr>
-          <a:xfrm>
-            <a:off x="685800" y="5750441"/>
-            <a:ext cx="4043864" cy="416011"/>
-          </a:xfrm>
-          <a:prstGeom prst="rect">
-            <a:avLst/>
-          </a:prstGeom>
-        </p:spPr>
-        <p:txBody>
-          <a:bodyPr wrap="none">
-            <a:spAutoFit/>
-          </a:bodyPr>
-          <a:lstStyle/>
-          <a:p>
-            <a:pPr>
-              <a:lnSpc>
-                <a:spcPct val="150000"/>
-              </a:lnSpc>
-            </a:pPr>
-            <a:r>
-              <a:rPr lang="en-US" sz="1600" dirty="0">
-                <a:solidFill>
-                  <a:schemeClr val="bg1"/>
-                </a:solidFill>
-                <a:latin typeface="Arial" panose="020B0604020202020204" pitchFamily="34" charset="0"/>
-                <a:cs typeface="Arial" panose="020B0604020202020204" pitchFamily="34" charset="0"/>
-              </a:rPr>
-              <a:t>*</a:t>
-            </a:r>
-            <a:r>
-              <a:rPr lang="uk-UA" sz="1600" dirty="0">
-                <a:solidFill>
-                  <a:schemeClr val="bg1"/>
-                </a:solidFill>
-                <a:latin typeface="Arial" panose="020B0604020202020204" pitchFamily="34" charset="0"/>
-                <a:cs typeface="Arial" panose="020B0604020202020204" pitchFamily="34" charset="0"/>
-              </a:rPr>
-              <a:t> </a:t>
-            </a:r>
-            <a:r>
-              <a:rPr lang="uk-UA" sz="1600" dirty="0" err="1">
-                <a:solidFill>
-                  <a:schemeClr val="bg1"/>
-                </a:solidFill>
-                <a:latin typeface="Arial" panose="020B0604020202020204" pitchFamily="34" charset="0"/>
-                <a:cs typeface="Arial" panose="020B0604020202020204" pitchFamily="34" charset="0"/>
-              </a:rPr>
-              <a:t>SameValue</a:t>
-            </a:r>
-            <a:r>
-              <a:rPr lang="uk-UA" sz="1600" dirty="0">
-                <a:solidFill>
-                  <a:schemeClr val="bg1"/>
-                </a:solidFill>
-                <a:latin typeface="Arial" panose="020B0604020202020204" pitchFamily="34" charset="0"/>
-                <a:cs typeface="Arial" panose="020B0604020202020204" pitchFamily="34" charset="0"/>
-              </a:rPr>
-              <a:t> </a:t>
-            </a:r>
-            <a:r>
-              <a:rPr lang="en-US" sz="1600" dirty="0">
-                <a:solidFill>
-                  <a:schemeClr val="bg1"/>
-                </a:solidFill>
-                <a:latin typeface="Arial" panose="020B0604020202020204" pitchFamily="34" charset="0"/>
-                <a:cs typeface="Arial" panose="020B0604020202020204" pitchFamily="34" charset="0"/>
-              </a:rPr>
-              <a:t>- </a:t>
-            </a:r>
-            <a:r>
-              <a:rPr lang="en-US" sz="1600" dirty="0" err="1">
-                <a:solidFill>
-                  <a:schemeClr val="bg1"/>
-                </a:solidFill>
-                <a:latin typeface="Arial" panose="020B0604020202020204" pitchFamily="34" charset="0"/>
-                <a:cs typeface="Arial" panose="020B0604020202020204" pitchFamily="34" charset="0"/>
-              </a:rPr>
-              <a:t>Liskov</a:t>
-            </a:r>
-            <a:r>
-              <a:rPr lang="en-US" sz="1600" dirty="0">
-                <a:solidFill>
-                  <a:schemeClr val="bg1"/>
-                </a:solidFill>
-                <a:latin typeface="Arial" panose="020B0604020202020204" pitchFamily="34" charset="0"/>
-                <a:cs typeface="Arial" panose="020B0604020202020204" pitchFamily="34" charset="0"/>
-              </a:rPr>
-              <a:t> substitution principle</a:t>
-            </a:r>
-            <a:endParaRPr lang="uk-UA" sz="1600" dirty="0">
               <a:solidFill>
                 <a:schemeClr val="bg1"/>
               </a:solidFill>
@@ -15861,7 +16858,7 @@
 </p:sld>
 </file>
 
-<file path=ppt/slides/slide17.xml><?xml version="1.0" encoding="utf-8"?>
+<file path=ppt/slides/slide18.xml><?xml version="1.0" encoding="utf-8"?>
 <p:sld xmlns:a="http://schemas.openxmlformats.org/drawingml/2006/main" xmlns:r="http://schemas.openxmlformats.org/officeDocument/2006/relationships" xmlns:p="http://schemas.openxmlformats.org/presentationml/2006/main">
   <p:cSld>
     <p:spTree>
@@ -16035,7 +17032,7 @@
 </p:sld>
 </file>
 
-<file path=ppt/slides/slide18.xml><?xml version="1.0" encoding="utf-8"?>
+<file path=ppt/slides/slide19.xml><?xml version="1.0" encoding="utf-8"?>
 <p:sld xmlns:a="http://schemas.openxmlformats.org/drawingml/2006/main" xmlns:r="http://schemas.openxmlformats.org/officeDocument/2006/relationships" xmlns:p="http://schemas.openxmlformats.org/presentationml/2006/main">
   <p:cSld>
     <p:spTree>
@@ -16185,152 +17182,6 @@
 </p:sld>
 </file>
 
-<file path=ppt/slides/slide19.xml><?xml version="1.0" encoding="utf-8"?>
-<p:sld xmlns:a="http://schemas.openxmlformats.org/drawingml/2006/main" xmlns:r="http://schemas.openxmlformats.org/officeDocument/2006/relationships" xmlns:p="http://schemas.openxmlformats.org/presentationml/2006/main">
-  <p:cSld>
-    <p:spTree>
-      <p:nvGrpSpPr>
-        <p:cNvPr id="1" name=""/>
-        <p:cNvGrpSpPr/>
-        <p:nvPr/>
-      </p:nvGrpSpPr>
-      <p:grpSpPr>
-        <a:xfrm>
-          <a:off x="0" y="0"/>
-          <a:ext cx="0" cy="0"/>
-          <a:chOff x="0" y="0"/>
-          <a:chExt cx="0" cy="0"/>
-        </a:xfrm>
-      </p:grpSpPr>
-      <p:sp>
-        <p:nvSpPr>
-          <p:cNvPr id="2" name="Заголовок 1"/>
-          <p:cNvSpPr>
-            <a:spLocks noGrp="1"/>
-          </p:cNvSpPr>
-          <p:nvPr>
-            <p:ph type="title"/>
-          </p:nvPr>
-        </p:nvSpPr>
-        <p:spPr/>
-        <p:txBody>
-          <a:bodyPr/>
-          <a:lstStyle/>
-          <a:p>
-            <a:r>
-              <a:rPr lang="en-US" dirty="0" smtClean="0"/>
-              <a:t>References</a:t>
-            </a:r>
-            <a:endParaRPr lang="uk-UA" dirty="0"/>
-          </a:p>
-        </p:txBody>
-      </p:sp>
-      <p:sp>
-        <p:nvSpPr>
-          <p:cNvPr id="3" name="Текст 2"/>
-          <p:cNvSpPr>
-            <a:spLocks noGrp="1"/>
-          </p:cNvSpPr>
-          <p:nvPr>
-            <p:ph type="body" sz="quarter" idx="10"/>
-          </p:nvPr>
-        </p:nvSpPr>
-        <p:spPr/>
-        <p:txBody>
-          <a:bodyPr/>
-          <a:lstStyle/>
-          <a:p>
-            <a:pPr marL="342900" indent="-342900">
-              <a:buFont typeface="Wingdings" panose="05000000000000000000" pitchFamily="2" charset="2"/>
-              <a:buChar char="Ø"/>
-            </a:pPr>
-            <a:r>
-              <a:rPr lang="en-US" dirty="0">
-                <a:hlinkClick r:id="rId2"/>
-              </a:rPr>
-              <a:t>https://medium.com/@sergeybulavyk/%D0%BF%D1%80%D0%B5%D0%BE%D0%B1%D1%80%D0%B0%D0%B7%D0%BE%D0%B2%D0%B0%D0%BD%D0%B8%D0%B5-%D1%82%D0%B8%D0%BF%D0%BE%D0%B2-%</a:t>
-            </a:r>
-            <a:r>
-              <a:rPr lang="en-US" dirty="0" smtClean="0">
-                <a:hlinkClick r:id="rId2"/>
-              </a:rPr>
-              <a:t>D0%B2-javascript-35a15ddfc333</a:t>
-            </a:r>
-            <a:endParaRPr lang="en-US" dirty="0"/>
-          </a:p>
-          <a:p>
-            <a:pPr marL="342900" indent="-342900">
-              <a:buFont typeface="Wingdings" panose="05000000000000000000" pitchFamily="2" charset="2"/>
-              <a:buChar char="Ø"/>
-            </a:pPr>
-            <a:r>
-              <a:rPr lang="en-US" dirty="0">
-                <a:hlinkClick r:id="rId3"/>
-              </a:rPr>
-              <a:t>https://dorey.github.io/JavaScript-Equality-Table</a:t>
-            </a:r>
-            <a:r>
-              <a:rPr lang="en-US" dirty="0" smtClean="0">
-                <a:hlinkClick r:id="rId3"/>
-              </a:rPr>
-              <a:t>/</a:t>
-            </a:r>
-            <a:endParaRPr lang="en-US" dirty="0" smtClean="0"/>
-          </a:p>
-          <a:p>
-            <a:pPr marL="342900" indent="-342900">
-              <a:buFont typeface="Wingdings" panose="05000000000000000000" pitchFamily="2" charset="2"/>
-              <a:buChar char="Ø"/>
-            </a:pPr>
-            <a:r>
-              <a:rPr lang="en-US" dirty="0">
-                <a:hlinkClick r:id="rId4"/>
-              </a:rPr>
-              <a:t>https://</a:t>
-            </a:r>
-            <a:r>
-              <a:rPr lang="en-US" dirty="0" smtClean="0">
-                <a:hlinkClick r:id="rId4"/>
-              </a:rPr>
-              <a:t>developer.mozilla.org/uk/docs/Web/JavaScript/Reference/Global_Objects/Object/is</a:t>
-            </a:r>
-            <a:endParaRPr lang="en-US" dirty="0" smtClean="0"/>
-          </a:p>
-          <a:p>
-            <a:pPr marL="342900" indent="-342900">
-              <a:buFont typeface="Wingdings" panose="05000000000000000000" pitchFamily="2" charset="2"/>
-              <a:buChar char="Ø"/>
-            </a:pPr>
-            <a:r>
-              <a:rPr lang="en-US" dirty="0">
-                <a:hlinkClick r:id="rId5"/>
-              </a:rPr>
-              <a:t>https://developer.mozilla.org/en-US/docs/Web/JavaScript/Equality_comparisons_and_sameness</a:t>
-            </a:r>
-            <a:endParaRPr lang="en-US" dirty="0"/>
-          </a:p>
-        </p:txBody>
-      </p:sp>
-    </p:spTree>
-    <p:extLst>
-      <p:ext uri="{BB962C8B-B14F-4D97-AF65-F5344CB8AC3E}">
-        <p14:creationId xmlns:p14="http://schemas.microsoft.com/office/powerpoint/2010/main" val="269244588"/>
-      </p:ext>
-    </p:extLst>
-  </p:cSld>
-  <p:clrMapOvr>
-    <a:masterClrMapping/>
-  </p:clrMapOvr>
-  <p:timing>
-    <p:tnLst>
-      <p:par>
-        <p:cTn id="1" dur="indefinite" restart="never" nodeType="tmRoot"/>
-      </p:par>
-    </p:tnLst>
-  </p:timing>
-</p:sld>
-</file>
-
 <file path=ppt/slides/slide2.xml><?xml version="1.0" encoding="utf-8"?>
 <p:sld xmlns:a="http://schemas.openxmlformats.org/drawingml/2006/main" xmlns:r="http://schemas.openxmlformats.org/officeDocument/2006/relationships" xmlns:p="http://schemas.openxmlformats.org/presentationml/2006/main">
   <p:cSld>
@@ -16439,6 +17290,152 @@
 </file>
 
 <file path=ppt/slides/slide20.xml><?xml version="1.0" encoding="utf-8"?>
+<p:sld xmlns:a="http://schemas.openxmlformats.org/drawingml/2006/main" xmlns:r="http://schemas.openxmlformats.org/officeDocument/2006/relationships" xmlns:p="http://schemas.openxmlformats.org/presentationml/2006/main">
+  <p:cSld>
+    <p:spTree>
+      <p:nvGrpSpPr>
+        <p:cNvPr id="1" name=""/>
+        <p:cNvGrpSpPr/>
+        <p:nvPr/>
+      </p:nvGrpSpPr>
+      <p:grpSpPr>
+        <a:xfrm>
+          <a:off x="0" y="0"/>
+          <a:ext cx="0" cy="0"/>
+          <a:chOff x="0" y="0"/>
+          <a:chExt cx="0" cy="0"/>
+        </a:xfrm>
+      </p:grpSpPr>
+      <p:sp>
+        <p:nvSpPr>
+          <p:cNvPr id="2" name="Заголовок 1"/>
+          <p:cNvSpPr>
+            <a:spLocks noGrp="1"/>
+          </p:cNvSpPr>
+          <p:nvPr>
+            <p:ph type="title"/>
+          </p:nvPr>
+        </p:nvSpPr>
+        <p:spPr/>
+        <p:txBody>
+          <a:bodyPr/>
+          <a:lstStyle/>
+          <a:p>
+            <a:r>
+              <a:rPr lang="en-US" dirty="0" smtClean="0"/>
+              <a:t>References</a:t>
+            </a:r>
+            <a:endParaRPr lang="uk-UA" dirty="0"/>
+          </a:p>
+        </p:txBody>
+      </p:sp>
+      <p:sp>
+        <p:nvSpPr>
+          <p:cNvPr id="3" name="Текст 2"/>
+          <p:cNvSpPr>
+            <a:spLocks noGrp="1"/>
+          </p:cNvSpPr>
+          <p:nvPr>
+            <p:ph type="body" sz="quarter" idx="10"/>
+          </p:nvPr>
+        </p:nvSpPr>
+        <p:spPr/>
+        <p:txBody>
+          <a:bodyPr/>
+          <a:lstStyle/>
+          <a:p>
+            <a:pPr marL="342900" indent="-342900">
+              <a:buFont typeface="Wingdings" panose="05000000000000000000" pitchFamily="2" charset="2"/>
+              <a:buChar char="Ø"/>
+            </a:pPr>
+            <a:r>
+              <a:rPr lang="en-US" dirty="0">
+                <a:hlinkClick r:id="rId2"/>
+              </a:rPr>
+              <a:t>https://medium.com/@sergeybulavyk/%D0%BF%D1%80%D0%B5%D0%BE%D0%B1%D1%80%D0%B0%D0%B7%D0%BE%D0%B2%D0%B0%D0%BD%D0%B8%D0%B5-%D1%82%D0%B8%D0%BF%D0%BE%D0%B2-%</a:t>
+            </a:r>
+            <a:r>
+              <a:rPr lang="en-US" dirty="0" smtClean="0">
+                <a:hlinkClick r:id="rId2"/>
+              </a:rPr>
+              <a:t>D0%B2-javascript-35a15ddfc333</a:t>
+            </a:r>
+            <a:endParaRPr lang="en-US" dirty="0"/>
+          </a:p>
+          <a:p>
+            <a:pPr marL="342900" indent="-342900">
+              <a:buFont typeface="Wingdings" panose="05000000000000000000" pitchFamily="2" charset="2"/>
+              <a:buChar char="Ø"/>
+            </a:pPr>
+            <a:r>
+              <a:rPr lang="en-US" dirty="0">
+                <a:hlinkClick r:id="rId3"/>
+              </a:rPr>
+              <a:t>https://dorey.github.io/JavaScript-Equality-Table</a:t>
+            </a:r>
+            <a:r>
+              <a:rPr lang="en-US" dirty="0" smtClean="0">
+                <a:hlinkClick r:id="rId3"/>
+              </a:rPr>
+              <a:t>/</a:t>
+            </a:r>
+            <a:endParaRPr lang="en-US" dirty="0" smtClean="0"/>
+          </a:p>
+          <a:p>
+            <a:pPr marL="342900" indent="-342900">
+              <a:buFont typeface="Wingdings" panose="05000000000000000000" pitchFamily="2" charset="2"/>
+              <a:buChar char="Ø"/>
+            </a:pPr>
+            <a:r>
+              <a:rPr lang="en-US" dirty="0">
+                <a:hlinkClick r:id="rId4"/>
+              </a:rPr>
+              <a:t>https://</a:t>
+            </a:r>
+            <a:r>
+              <a:rPr lang="en-US" dirty="0" smtClean="0">
+                <a:hlinkClick r:id="rId4"/>
+              </a:rPr>
+              <a:t>developer.mozilla.org/uk/docs/Web/JavaScript/Reference/Global_Objects/Object/is</a:t>
+            </a:r>
+            <a:endParaRPr lang="en-US" dirty="0" smtClean="0"/>
+          </a:p>
+          <a:p>
+            <a:pPr marL="342900" indent="-342900">
+              <a:buFont typeface="Wingdings" panose="05000000000000000000" pitchFamily="2" charset="2"/>
+              <a:buChar char="Ø"/>
+            </a:pPr>
+            <a:r>
+              <a:rPr lang="en-US" dirty="0">
+                <a:hlinkClick r:id="rId5"/>
+              </a:rPr>
+              <a:t>https://developer.mozilla.org/en-US/docs/Web/JavaScript/Equality_comparisons_and_sameness</a:t>
+            </a:r>
+            <a:endParaRPr lang="en-US" dirty="0"/>
+          </a:p>
+        </p:txBody>
+      </p:sp>
+    </p:spTree>
+    <p:extLst>
+      <p:ext uri="{BB962C8B-B14F-4D97-AF65-F5344CB8AC3E}">
+        <p14:creationId xmlns:p14="http://schemas.microsoft.com/office/powerpoint/2010/main" val="269244588"/>
+      </p:ext>
+    </p:extLst>
+  </p:cSld>
+  <p:clrMapOvr>
+    <a:masterClrMapping/>
+  </p:clrMapOvr>
+  <p:timing>
+    <p:tnLst>
+      <p:par>
+        <p:cTn id="1" dur="indefinite" restart="never" nodeType="tmRoot"/>
+      </p:par>
+    </p:tnLst>
+  </p:timing>
+</p:sld>
+</file>
+
+<file path=ppt/slides/slide21.xml><?xml version="1.0" encoding="utf-8"?>
 <p:sld xmlns:a="http://schemas.openxmlformats.org/drawingml/2006/main" xmlns:r="http://schemas.openxmlformats.org/officeDocument/2006/relationships" xmlns:p="http://schemas.openxmlformats.org/presentationml/2006/main">
   <p:cSld>
     <p:spTree>
@@ -17868,510 +18865,674 @@
           </a:p>
         </p:txBody>
       </p:sp>
-      <p:sp>
-        <p:nvSpPr>
-          <p:cNvPr id="4" name="Прямоугольник 3"/>
-          <p:cNvSpPr/>
-          <p:nvPr/>
-        </p:nvSpPr>
-        <p:spPr>
-          <a:xfrm>
-            <a:off x="583579" y="1997509"/>
-            <a:ext cx="8437757" cy="923330"/>
-          </a:xfrm>
-          <a:prstGeom prst="rect">
-            <a:avLst/>
-          </a:prstGeom>
-        </p:spPr>
-        <p:txBody>
-          <a:bodyPr wrap="square">
-            <a:spAutoFit/>
-          </a:bodyPr>
-          <a:lstStyle/>
-          <a:p>
-            <a:r>
-              <a:rPr lang="uk-UA" dirty="0" err="1">
-                <a:solidFill>
-                  <a:schemeClr val="bg1"/>
-                </a:solidFill>
-                <a:latin typeface="Arial" panose="020B0604020202020204" pitchFamily="34" charset="0"/>
-                <a:cs typeface="Arial" panose="020B0604020202020204" pitchFamily="34" charset="0"/>
-              </a:rPr>
-              <a:t>In</a:t>
-            </a:r>
-            <a:r>
-              <a:rPr lang="uk-UA" dirty="0">
-                <a:solidFill>
-                  <a:schemeClr val="bg1"/>
-                </a:solidFill>
-                <a:latin typeface="Arial" panose="020B0604020202020204" pitchFamily="34" charset="0"/>
-                <a:cs typeface="Arial" panose="020B0604020202020204" pitchFamily="34" charset="0"/>
-              </a:rPr>
-              <a:t> </a:t>
-            </a:r>
-            <a:r>
-              <a:rPr lang="uk-UA" dirty="0" err="1">
-                <a:solidFill>
-                  <a:schemeClr val="bg1"/>
-                </a:solidFill>
-                <a:latin typeface="Arial" panose="020B0604020202020204" pitchFamily="34" charset="0"/>
-                <a:cs typeface="Arial" panose="020B0604020202020204" pitchFamily="34" charset="0"/>
-              </a:rPr>
-              <a:t>JavaScript</a:t>
-            </a:r>
-            <a:r>
-              <a:rPr lang="uk-UA" dirty="0">
-                <a:solidFill>
-                  <a:schemeClr val="bg1"/>
-                </a:solidFill>
-                <a:latin typeface="Arial" panose="020B0604020202020204" pitchFamily="34" charset="0"/>
-                <a:cs typeface="Arial" panose="020B0604020202020204" pitchFamily="34" charset="0"/>
-              </a:rPr>
-              <a:t>, </a:t>
-            </a:r>
-            <a:r>
-              <a:rPr lang="uk-UA" dirty="0" err="1">
-                <a:solidFill>
-                  <a:schemeClr val="bg1"/>
-                </a:solidFill>
-                <a:latin typeface="Arial" panose="020B0604020202020204" pitchFamily="34" charset="0"/>
-                <a:cs typeface="Arial" panose="020B0604020202020204" pitchFamily="34" charset="0"/>
-              </a:rPr>
-              <a:t>the</a:t>
-            </a:r>
-            <a:r>
-              <a:rPr lang="uk-UA" dirty="0">
-                <a:solidFill>
-                  <a:schemeClr val="bg1"/>
-                </a:solidFill>
-                <a:latin typeface="Arial" panose="020B0604020202020204" pitchFamily="34" charset="0"/>
-                <a:cs typeface="Arial" panose="020B0604020202020204" pitchFamily="34" charset="0"/>
-              </a:rPr>
-              <a:t> “</a:t>
-            </a:r>
-            <a:r>
-              <a:rPr lang="uk-UA" dirty="0" err="1">
-                <a:solidFill>
-                  <a:schemeClr val="bg1"/>
-                </a:solidFill>
-                <a:latin typeface="Arial" panose="020B0604020202020204" pitchFamily="34" charset="0"/>
-                <a:cs typeface="Arial" panose="020B0604020202020204" pitchFamily="34" charset="0"/>
-              </a:rPr>
-              <a:t>number</a:t>
-            </a:r>
-            <a:r>
-              <a:rPr lang="uk-UA" dirty="0">
-                <a:solidFill>
-                  <a:schemeClr val="bg1"/>
-                </a:solidFill>
-                <a:latin typeface="Arial" panose="020B0604020202020204" pitchFamily="34" charset="0"/>
-                <a:cs typeface="Arial" panose="020B0604020202020204" pitchFamily="34" charset="0"/>
-              </a:rPr>
-              <a:t>” </a:t>
-            </a:r>
-            <a:r>
-              <a:rPr lang="uk-UA" dirty="0" err="1">
-                <a:solidFill>
-                  <a:schemeClr val="bg1"/>
-                </a:solidFill>
-                <a:latin typeface="Arial" panose="020B0604020202020204" pitchFamily="34" charset="0"/>
-                <a:cs typeface="Arial" panose="020B0604020202020204" pitchFamily="34" charset="0"/>
-              </a:rPr>
-              <a:t>type</a:t>
-            </a:r>
-            <a:r>
-              <a:rPr lang="uk-UA" dirty="0">
-                <a:solidFill>
-                  <a:schemeClr val="bg1"/>
-                </a:solidFill>
-                <a:latin typeface="Arial" panose="020B0604020202020204" pitchFamily="34" charset="0"/>
-                <a:cs typeface="Arial" panose="020B0604020202020204" pitchFamily="34" charset="0"/>
-              </a:rPr>
-              <a:t> </a:t>
-            </a:r>
-            <a:r>
-              <a:rPr lang="uk-UA" dirty="0" err="1">
-                <a:solidFill>
-                  <a:schemeClr val="bg1"/>
-                </a:solidFill>
-                <a:latin typeface="Arial" panose="020B0604020202020204" pitchFamily="34" charset="0"/>
-                <a:cs typeface="Arial" panose="020B0604020202020204" pitchFamily="34" charset="0"/>
-              </a:rPr>
-              <a:t>cannot</a:t>
-            </a:r>
-            <a:r>
-              <a:rPr lang="uk-UA" dirty="0">
-                <a:solidFill>
-                  <a:schemeClr val="bg1"/>
-                </a:solidFill>
-                <a:latin typeface="Arial" panose="020B0604020202020204" pitchFamily="34" charset="0"/>
-                <a:cs typeface="Arial" panose="020B0604020202020204" pitchFamily="34" charset="0"/>
-              </a:rPr>
-              <a:t> </a:t>
-            </a:r>
-            <a:r>
-              <a:rPr lang="uk-UA" dirty="0" err="1">
-                <a:solidFill>
-                  <a:schemeClr val="bg1"/>
-                </a:solidFill>
-                <a:latin typeface="Arial" panose="020B0604020202020204" pitchFamily="34" charset="0"/>
-                <a:cs typeface="Arial" panose="020B0604020202020204" pitchFamily="34" charset="0"/>
-              </a:rPr>
-              <a:t>represent</a:t>
-            </a:r>
-            <a:r>
-              <a:rPr lang="uk-UA" dirty="0">
-                <a:solidFill>
-                  <a:schemeClr val="bg1"/>
-                </a:solidFill>
-                <a:latin typeface="Arial" panose="020B0604020202020204" pitchFamily="34" charset="0"/>
-                <a:cs typeface="Arial" panose="020B0604020202020204" pitchFamily="34" charset="0"/>
-              </a:rPr>
-              <a:t> </a:t>
-            </a:r>
-            <a:r>
-              <a:rPr lang="uk-UA" dirty="0" err="1">
-                <a:solidFill>
-                  <a:schemeClr val="bg1"/>
-                </a:solidFill>
-                <a:latin typeface="Arial" panose="020B0604020202020204" pitchFamily="34" charset="0"/>
-                <a:cs typeface="Arial" panose="020B0604020202020204" pitchFamily="34" charset="0"/>
-              </a:rPr>
-              <a:t>integer</a:t>
-            </a:r>
-            <a:r>
-              <a:rPr lang="uk-UA" dirty="0">
-                <a:solidFill>
-                  <a:schemeClr val="bg1"/>
-                </a:solidFill>
-                <a:latin typeface="Arial" panose="020B0604020202020204" pitchFamily="34" charset="0"/>
-                <a:cs typeface="Arial" panose="020B0604020202020204" pitchFamily="34" charset="0"/>
-              </a:rPr>
-              <a:t> </a:t>
-            </a:r>
-            <a:r>
-              <a:rPr lang="uk-UA" dirty="0" err="1">
-                <a:solidFill>
-                  <a:schemeClr val="bg1"/>
-                </a:solidFill>
-                <a:latin typeface="Arial" panose="020B0604020202020204" pitchFamily="34" charset="0"/>
-                <a:cs typeface="Arial" panose="020B0604020202020204" pitchFamily="34" charset="0"/>
-              </a:rPr>
-              <a:t>values</a:t>
-            </a:r>
-            <a:r>
-              <a:rPr lang="uk-UA" dirty="0">
-                <a:solidFill>
-                  <a:schemeClr val="bg1"/>
-                </a:solidFill>
-                <a:latin typeface="Arial" panose="020B0604020202020204" pitchFamily="34" charset="0"/>
-                <a:cs typeface="Arial" panose="020B0604020202020204" pitchFamily="34" charset="0"/>
-              </a:rPr>
-              <a:t> </a:t>
-            </a:r>
-            <a:r>
-              <a:rPr lang="uk-UA" dirty="0" err="1">
-                <a:solidFill>
-                  <a:schemeClr val="bg1"/>
-                </a:solidFill>
-                <a:latin typeface="Arial" panose="020B0604020202020204" pitchFamily="34" charset="0"/>
-                <a:cs typeface="Arial" panose="020B0604020202020204" pitchFamily="34" charset="0"/>
-              </a:rPr>
-              <a:t>larger</a:t>
-            </a:r>
-            <a:r>
-              <a:rPr lang="uk-UA" dirty="0">
-                <a:solidFill>
-                  <a:schemeClr val="bg1"/>
-                </a:solidFill>
-                <a:latin typeface="Arial" panose="020B0604020202020204" pitchFamily="34" charset="0"/>
-                <a:cs typeface="Arial" panose="020B0604020202020204" pitchFamily="34" charset="0"/>
-              </a:rPr>
-              <a:t> </a:t>
-            </a:r>
-            <a:r>
-              <a:rPr lang="uk-UA" dirty="0" err="1">
-                <a:solidFill>
-                  <a:schemeClr val="bg1"/>
-                </a:solidFill>
-                <a:latin typeface="Arial" panose="020B0604020202020204" pitchFamily="34" charset="0"/>
-                <a:cs typeface="Arial" panose="020B0604020202020204" pitchFamily="34" charset="0"/>
-              </a:rPr>
-              <a:t>than</a:t>
-            </a:r>
-            <a:r>
-              <a:rPr lang="uk-UA" dirty="0">
-                <a:solidFill>
-                  <a:schemeClr val="bg1"/>
-                </a:solidFill>
-                <a:latin typeface="Arial" panose="020B0604020202020204" pitchFamily="34" charset="0"/>
-                <a:cs typeface="Arial" panose="020B0604020202020204" pitchFamily="34" charset="0"/>
-              </a:rPr>
-              <a:t> 253 (</a:t>
-            </a:r>
-            <a:r>
-              <a:rPr lang="uk-UA" dirty="0" err="1">
-                <a:solidFill>
-                  <a:schemeClr val="bg1"/>
-                </a:solidFill>
-                <a:latin typeface="Arial" panose="020B0604020202020204" pitchFamily="34" charset="0"/>
-                <a:cs typeface="Arial" panose="020B0604020202020204" pitchFamily="34" charset="0"/>
-              </a:rPr>
-              <a:t>or</a:t>
-            </a:r>
-            <a:r>
-              <a:rPr lang="uk-UA" dirty="0">
-                <a:solidFill>
-                  <a:schemeClr val="bg1"/>
-                </a:solidFill>
-                <a:latin typeface="Arial" panose="020B0604020202020204" pitchFamily="34" charset="0"/>
-                <a:cs typeface="Arial" panose="020B0604020202020204" pitchFamily="34" charset="0"/>
-              </a:rPr>
-              <a:t> </a:t>
-            </a:r>
-            <a:r>
-              <a:rPr lang="uk-UA" dirty="0" err="1">
-                <a:solidFill>
-                  <a:schemeClr val="bg1"/>
-                </a:solidFill>
-                <a:latin typeface="Arial" panose="020B0604020202020204" pitchFamily="34" charset="0"/>
-                <a:cs typeface="Arial" panose="020B0604020202020204" pitchFamily="34" charset="0"/>
-              </a:rPr>
-              <a:t>less</a:t>
-            </a:r>
-            <a:r>
-              <a:rPr lang="uk-UA" dirty="0">
-                <a:solidFill>
-                  <a:schemeClr val="bg1"/>
-                </a:solidFill>
-                <a:latin typeface="Arial" panose="020B0604020202020204" pitchFamily="34" charset="0"/>
-                <a:cs typeface="Arial" panose="020B0604020202020204" pitchFamily="34" charset="0"/>
-              </a:rPr>
-              <a:t> </a:t>
-            </a:r>
-            <a:r>
-              <a:rPr lang="uk-UA" dirty="0" err="1">
-                <a:solidFill>
-                  <a:schemeClr val="bg1"/>
-                </a:solidFill>
-                <a:latin typeface="Arial" panose="020B0604020202020204" pitchFamily="34" charset="0"/>
-                <a:cs typeface="Arial" panose="020B0604020202020204" pitchFamily="34" charset="0"/>
-              </a:rPr>
-              <a:t>than</a:t>
-            </a:r>
-            <a:r>
-              <a:rPr lang="uk-UA" dirty="0">
-                <a:solidFill>
-                  <a:schemeClr val="bg1"/>
-                </a:solidFill>
-                <a:latin typeface="Arial" panose="020B0604020202020204" pitchFamily="34" charset="0"/>
-                <a:cs typeface="Arial" panose="020B0604020202020204" pitchFamily="34" charset="0"/>
-              </a:rPr>
-              <a:t> -253 </a:t>
-            </a:r>
-            <a:r>
-              <a:rPr lang="uk-UA" dirty="0" err="1">
-                <a:solidFill>
-                  <a:schemeClr val="bg1"/>
-                </a:solidFill>
-                <a:latin typeface="Arial" panose="020B0604020202020204" pitchFamily="34" charset="0"/>
-                <a:cs typeface="Arial" panose="020B0604020202020204" pitchFamily="34" charset="0"/>
-              </a:rPr>
-              <a:t>for</a:t>
-            </a:r>
-            <a:r>
-              <a:rPr lang="uk-UA" dirty="0">
-                <a:solidFill>
-                  <a:schemeClr val="bg1"/>
-                </a:solidFill>
-                <a:latin typeface="Arial" panose="020B0604020202020204" pitchFamily="34" charset="0"/>
-                <a:cs typeface="Arial" panose="020B0604020202020204" pitchFamily="34" charset="0"/>
-              </a:rPr>
-              <a:t> </a:t>
-            </a:r>
-            <a:r>
-              <a:rPr lang="uk-UA" dirty="0" err="1">
-                <a:solidFill>
-                  <a:schemeClr val="bg1"/>
-                </a:solidFill>
-                <a:latin typeface="Arial" panose="020B0604020202020204" pitchFamily="34" charset="0"/>
-                <a:cs typeface="Arial" panose="020B0604020202020204" pitchFamily="34" charset="0"/>
-              </a:rPr>
-              <a:t>negatives</a:t>
-            </a:r>
-            <a:r>
-              <a:rPr lang="uk-UA" dirty="0">
-                <a:solidFill>
-                  <a:schemeClr val="bg1"/>
-                </a:solidFill>
-                <a:latin typeface="Arial" panose="020B0604020202020204" pitchFamily="34" charset="0"/>
-                <a:cs typeface="Arial" panose="020B0604020202020204" pitchFamily="34" charset="0"/>
-              </a:rPr>
-              <a:t>), </a:t>
-            </a:r>
-            <a:r>
-              <a:rPr lang="uk-UA" dirty="0" err="1">
-                <a:solidFill>
-                  <a:schemeClr val="bg1"/>
-                </a:solidFill>
-                <a:latin typeface="Arial" panose="020B0604020202020204" pitchFamily="34" charset="0"/>
-                <a:cs typeface="Arial" panose="020B0604020202020204" pitchFamily="34" charset="0"/>
-              </a:rPr>
-              <a:t>that’s</a:t>
-            </a:r>
-            <a:r>
-              <a:rPr lang="uk-UA" dirty="0">
-                <a:solidFill>
-                  <a:schemeClr val="bg1"/>
-                </a:solidFill>
-                <a:latin typeface="Arial" panose="020B0604020202020204" pitchFamily="34" charset="0"/>
-                <a:cs typeface="Arial" panose="020B0604020202020204" pitchFamily="34" charset="0"/>
-              </a:rPr>
-              <a:t> a </a:t>
-            </a:r>
-            <a:r>
-              <a:rPr lang="uk-UA" dirty="0" err="1">
-                <a:solidFill>
-                  <a:schemeClr val="bg1"/>
-                </a:solidFill>
-                <a:latin typeface="Arial" panose="020B0604020202020204" pitchFamily="34" charset="0"/>
-                <a:cs typeface="Arial" panose="020B0604020202020204" pitchFamily="34" charset="0"/>
-              </a:rPr>
-              <a:t>technical</a:t>
-            </a:r>
-            <a:r>
-              <a:rPr lang="uk-UA" dirty="0">
-                <a:solidFill>
-                  <a:schemeClr val="bg1"/>
-                </a:solidFill>
-                <a:latin typeface="Arial" panose="020B0604020202020204" pitchFamily="34" charset="0"/>
-                <a:cs typeface="Arial" panose="020B0604020202020204" pitchFamily="34" charset="0"/>
-              </a:rPr>
-              <a:t> </a:t>
-            </a:r>
-            <a:r>
-              <a:rPr lang="uk-UA" dirty="0" err="1">
-                <a:solidFill>
-                  <a:schemeClr val="bg1"/>
-                </a:solidFill>
-                <a:latin typeface="Arial" panose="020B0604020202020204" pitchFamily="34" charset="0"/>
-                <a:cs typeface="Arial" panose="020B0604020202020204" pitchFamily="34" charset="0"/>
-              </a:rPr>
-              <a:t>limitation</a:t>
-            </a:r>
-            <a:r>
-              <a:rPr lang="uk-UA" dirty="0">
-                <a:solidFill>
-                  <a:schemeClr val="bg1"/>
-                </a:solidFill>
-                <a:latin typeface="Arial" panose="020B0604020202020204" pitchFamily="34" charset="0"/>
-                <a:cs typeface="Arial" panose="020B0604020202020204" pitchFamily="34" charset="0"/>
-              </a:rPr>
-              <a:t> </a:t>
-            </a:r>
-            <a:r>
-              <a:rPr lang="uk-UA" dirty="0" err="1">
-                <a:solidFill>
-                  <a:schemeClr val="bg1"/>
-                </a:solidFill>
-                <a:latin typeface="Arial" panose="020B0604020202020204" pitchFamily="34" charset="0"/>
-                <a:cs typeface="Arial" panose="020B0604020202020204" pitchFamily="34" charset="0"/>
-              </a:rPr>
-              <a:t>caused</a:t>
-            </a:r>
-            <a:r>
-              <a:rPr lang="uk-UA" dirty="0">
-                <a:solidFill>
-                  <a:schemeClr val="bg1"/>
-                </a:solidFill>
-                <a:latin typeface="Arial" panose="020B0604020202020204" pitchFamily="34" charset="0"/>
-                <a:cs typeface="Arial" panose="020B0604020202020204" pitchFamily="34" charset="0"/>
-              </a:rPr>
-              <a:t> </a:t>
-            </a:r>
-            <a:r>
-              <a:rPr lang="uk-UA" dirty="0" err="1">
-                <a:solidFill>
-                  <a:schemeClr val="bg1"/>
-                </a:solidFill>
-                <a:latin typeface="Arial" panose="020B0604020202020204" pitchFamily="34" charset="0"/>
-                <a:cs typeface="Arial" panose="020B0604020202020204" pitchFamily="34" charset="0"/>
-              </a:rPr>
-              <a:t>by</a:t>
-            </a:r>
-            <a:r>
-              <a:rPr lang="uk-UA" dirty="0">
-                <a:solidFill>
-                  <a:schemeClr val="bg1"/>
-                </a:solidFill>
-                <a:latin typeface="Arial" panose="020B0604020202020204" pitchFamily="34" charset="0"/>
-                <a:cs typeface="Arial" panose="020B0604020202020204" pitchFamily="34" charset="0"/>
-              </a:rPr>
-              <a:t> </a:t>
-            </a:r>
-            <a:r>
-              <a:rPr lang="uk-UA" dirty="0" err="1">
-                <a:solidFill>
-                  <a:schemeClr val="bg1"/>
-                </a:solidFill>
-                <a:latin typeface="Arial" panose="020B0604020202020204" pitchFamily="34" charset="0"/>
-                <a:cs typeface="Arial" panose="020B0604020202020204" pitchFamily="34" charset="0"/>
-              </a:rPr>
-              <a:t>their</a:t>
-            </a:r>
-            <a:r>
-              <a:rPr lang="uk-UA" dirty="0">
-                <a:solidFill>
-                  <a:schemeClr val="bg1"/>
-                </a:solidFill>
-                <a:latin typeface="Arial" panose="020B0604020202020204" pitchFamily="34" charset="0"/>
-                <a:cs typeface="Arial" panose="020B0604020202020204" pitchFamily="34" charset="0"/>
-              </a:rPr>
-              <a:t> </a:t>
-            </a:r>
-            <a:r>
-              <a:rPr lang="uk-UA" dirty="0" err="1">
-                <a:solidFill>
-                  <a:schemeClr val="bg1"/>
-                </a:solidFill>
-                <a:latin typeface="Arial" panose="020B0604020202020204" pitchFamily="34" charset="0"/>
-                <a:cs typeface="Arial" panose="020B0604020202020204" pitchFamily="34" charset="0"/>
-              </a:rPr>
-              <a:t>internal</a:t>
-            </a:r>
-            <a:r>
-              <a:rPr lang="uk-UA" dirty="0">
-                <a:solidFill>
-                  <a:schemeClr val="bg1"/>
-                </a:solidFill>
-                <a:latin typeface="Arial" panose="020B0604020202020204" pitchFamily="34" charset="0"/>
-                <a:cs typeface="Arial" panose="020B0604020202020204" pitchFamily="34" charset="0"/>
-              </a:rPr>
-              <a:t> </a:t>
-            </a:r>
-            <a:r>
-              <a:rPr lang="uk-UA" dirty="0" err="1">
-                <a:solidFill>
-                  <a:schemeClr val="bg1"/>
-                </a:solidFill>
-                <a:latin typeface="Arial" panose="020B0604020202020204" pitchFamily="34" charset="0"/>
-                <a:cs typeface="Arial" panose="020B0604020202020204" pitchFamily="34" charset="0"/>
-              </a:rPr>
-              <a:t>representation</a:t>
-            </a:r>
-            <a:r>
-              <a:rPr lang="uk-UA" dirty="0">
-                <a:solidFill>
-                  <a:schemeClr val="bg1"/>
-                </a:solidFill>
-                <a:latin typeface="Arial" panose="020B0604020202020204" pitchFamily="34" charset="0"/>
-                <a:cs typeface="Arial" panose="020B0604020202020204" pitchFamily="34" charset="0"/>
-              </a:rPr>
-              <a:t>. </a:t>
-            </a:r>
-          </a:p>
-        </p:txBody>
-      </p:sp>
+      <mc:AlternateContent xmlns:mc="http://schemas.openxmlformats.org/markup-compatibility/2006">
+        <mc:Choice xmlns:a14="http://schemas.microsoft.com/office/drawing/2010/main" Requires="a14">
+          <p:sp>
+            <p:nvSpPr>
+              <p:cNvPr id="4" name="Прямоугольник 3"/>
+              <p:cNvSpPr/>
+              <p:nvPr/>
+            </p:nvSpPr>
+            <p:spPr>
+              <a:xfrm>
+                <a:off x="583579" y="1997509"/>
+                <a:ext cx="8437757" cy="946991"/>
+              </a:xfrm>
+              <a:prstGeom prst="rect">
+                <a:avLst/>
+              </a:prstGeom>
+            </p:spPr>
+            <p:txBody>
+              <a:bodyPr wrap="square">
+                <a:spAutoFit/>
+              </a:bodyPr>
+              <a:lstStyle/>
+              <a:p>
+                <a:r>
+                  <a:rPr lang="uk-UA" dirty="0" smtClean="0">
+                    <a:solidFill>
+                      <a:schemeClr val="bg1"/>
+                    </a:solidFill>
+                    <a:latin typeface="Arial" panose="020B0604020202020204" pitchFamily="34" charset="0"/>
+                    <a:cs typeface="Arial" panose="020B0604020202020204" pitchFamily="34" charset="0"/>
+                  </a:rPr>
+                  <a:t>In</a:t>
+                </a:r>
+                <a:r>
+                  <a:rPr lang="uk-UA" dirty="0">
+                    <a:solidFill>
+                      <a:schemeClr val="bg1"/>
+                    </a:solidFill>
+                    <a:latin typeface="Arial" panose="020B0604020202020204" pitchFamily="34" charset="0"/>
+                    <a:cs typeface="Arial" panose="020B0604020202020204" pitchFamily="34" charset="0"/>
+                  </a:rPr>
+                  <a:t> </a:t>
+                </a:r>
+                <a:r>
+                  <a:rPr lang="uk-UA" dirty="0" err="1">
+                    <a:solidFill>
+                      <a:schemeClr val="bg1"/>
+                    </a:solidFill>
+                    <a:latin typeface="Arial" panose="020B0604020202020204" pitchFamily="34" charset="0"/>
+                    <a:cs typeface="Arial" panose="020B0604020202020204" pitchFamily="34" charset="0"/>
+                  </a:rPr>
+                  <a:t>JavaScript</a:t>
+                </a:r>
+                <a:r>
+                  <a:rPr lang="uk-UA" dirty="0">
+                    <a:solidFill>
+                      <a:schemeClr val="bg1"/>
+                    </a:solidFill>
+                    <a:latin typeface="Arial" panose="020B0604020202020204" pitchFamily="34" charset="0"/>
+                    <a:cs typeface="Arial" panose="020B0604020202020204" pitchFamily="34" charset="0"/>
+                  </a:rPr>
+                  <a:t>, </a:t>
+                </a:r>
+                <a:r>
+                  <a:rPr lang="uk-UA" dirty="0" err="1">
+                    <a:solidFill>
+                      <a:schemeClr val="bg1"/>
+                    </a:solidFill>
+                    <a:latin typeface="Arial" panose="020B0604020202020204" pitchFamily="34" charset="0"/>
+                    <a:cs typeface="Arial" panose="020B0604020202020204" pitchFamily="34" charset="0"/>
+                  </a:rPr>
+                  <a:t>the</a:t>
+                </a:r>
+                <a:r>
+                  <a:rPr lang="uk-UA" dirty="0">
+                    <a:solidFill>
+                      <a:schemeClr val="bg1"/>
+                    </a:solidFill>
+                    <a:latin typeface="Arial" panose="020B0604020202020204" pitchFamily="34" charset="0"/>
+                    <a:cs typeface="Arial" panose="020B0604020202020204" pitchFamily="34" charset="0"/>
+                  </a:rPr>
+                  <a:t> “</a:t>
+                </a:r>
+                <a:r>
+                  <a:rPr lang="uk-UA" dirty="0" err="1">
+                    <a:solidFill>
+                      <a:schemeClr val="bg1"/>
+                    </a:solidFill>
+                    <a:latin typeface="Arial" panose="020B0604020202020204" pitchFamily="34" charset="0"/>
+                    <a:cs typeface="Arial" panose="020B0604020202020204" pitchFamily="34" charset="0"/>
+                  </a:rPr>
+                  <a:t>number</a:t>
+                </a:r>
+                <a:r>
+                  <a:rPr lang="uk-UA" dirty="0">
+                    <a:solidFill>
+                      <a:schemeClr val="bg1"/>
+                    </a:solidFill>
+                    <a:latin typeface="Arial" panose="020B0604020202020204" pitchFamily="34" charset="0"/>
+                    <a:cs typeface="Arial" panose="020B0604020202020204" pitchFamily="34" charset="0"/>
+                  </a:rPr>
+                  <a:t>” </a:t>
+                </a:r>
+                <a:r>
+                  <a:rPr lang="uk-UA" dirty="0" err="1">
+                    <a:solidFill>
+                      <a:schemeClr val="bg1"/>
+                    </a:solidFill>
+                    <a:latin typeface="Arial" panose="020B0604020202020204" pitchFamily="34" charset="0"/>
+                    <a:cs typeface="Arial" panose="020B0604020202020204" pitchFamily="34" charset="0"/>
+                  </a:rPr>
+                  <a:t>type</a:t>
+                </a:r>
+                <a:r>
+                  <a:rPr lang="uk-UA" dirty="0">
+                    <a:solidFill>
+                      <a:schemeClr val="bg1"/>
+                    </a:solidFill>
+                    <a:latin typeface="Arial" panose="020B0604020202020204" pitchFamily="34" charset="0"/>
+                    <a:cs typeface="Arial" panose="020B0604020202020204" pitchFamily="34" charset="0"/>
+                  </a:rPr>
+                  <a:t> </a:t>
+                </a:r>
+                <a:r>
+                  <a:rPr lang="uk-UA" dirty="0" err="1">
+                    <a:solidFill>
+                      <a:schemeClr val="bg1"/>
+                    </a:solidFill>
+                    <a:latin typeface="Arial" panose="020B0604020202020204" pitchFamily="34" charset="0"/>
+                    <a:cs typeface="Arial" panose="020B0604020202020204" pitchFamily="34" charset="0"/>
+                  </a:rPr>
+                  <a:t>cannot</a:t>
+                </a:r>
+                <a:r>
+                  <a:rPr lang="uk-UA" dirty="0">
+                    <a:solidFill>
+                      <a:schemeClr val="bg1"/>
+                    </a:solidFill>
+                    <a:latin typeface="Arial" panose="020B0604020202020204" pitchFamily="34" charset="0"/>
+                    <a:cs typeface="Arial" panose="020B0604020202020204" pitchFamily="34" charset="0"/>
+                  </a:rPr>
+                  <a:t> </a:t>
+                </a:r>
+                <a:r>
+                  <a:rPr lang="uk-UA" dirty="0" err="1">
+                    <a:solidFill>
+                      <a:schemeClr val="bg1"/>
+                    </a:solidFill>
+                    <a:latin typeface="Arial" panose="020B0604020202020204" pitchFamily="34" charset="0"/>
+                    <a:cs typeface="Arial" panose="020B0604020202020204" pitchFamily="34" charset="0"/>
+                  </a:rPr>
+                  <a:t>represent</a:t>
+                </a:r>
+                <a:r>
+                  <a:rPr lang="uk-UA" dirty="0">
+                    <a:solidFill>
+                      <a:schemeClr val="bg1"/>
+                    </a:solidFill>
+                    <a:latin typeface="Arial" panose="020B0604020202020204" pitchFamily="34" charset="0"/>
+                    <a:cs typeface="Arial" panose="020B0604020202020204" pitchFamily="34" charset="0"/>
+                  </a:rPr>
+                  <a:t> </a:t>
+                </a:r>
+                <a:r>
+                  <a:rPr lang="uk-UA" dirty="0" err="1">
+                    <a:solidFill>
+                      <a:schemeClr val="bg1"/>
+                    </a:solidFill>
+                    <a:latin typeface="Arial" panose="020B0604020202020204" pitchFamily="34" charset="0"/>
+                    <a:cs typeface="Arial" panose="020B0604020202020204" pitchFamily="34" charset="0"/>
+                  </a:rPr>
+                  <a:t>integer</a:t>
+                </a:r>
+                <a:r>
+                  <a:rPr lang="uk-UA" dirty="0">
+                    <a:solidFill>
+                      <a:schemeClr val="bg1"/>
+                    </a:solidFill>
+                    <a:latin typeface="Arial" panose="020B0604020202020204" pitchFamily="34" charset="0"/>
+                    <a:cs typeface="Arial" panose="020B0604020202020204" pitchFamily="34" charset="0"/>
+                  </a:rPr>
+                  <a:t> </a:t>
+                </a:r>
+                <a:r>
+                  <a:rPr lang="uk-UA" dirty="0" err="1">
+                    <a:solidFill>
+                      <a:schemeClr val="bg1"/>
+                    </a:solidFill>
+                    <a:latin typeface="Arial" panose="020B0604020202020204" pitchFamily="34" charset="0"/>
+                    <a:cs typeface="Arial" panose="020B0604020202020204" pitchFamily="34" charset="0"/>
+                  </a:rPr>
+                  <a:t>values</a:t>
+                </a:r>
+                <a:r>
+                  <a:rPr lang="uk-UA" dirty="0">
+                    <a:solidFill>
+                      <a:schemeClr val="bg1"/>
+                    </a:solidFill>
+                    <a:latin typeface="Arial" panose="020B0604020202020204" pitchFamily="34" charset="0"/>
+                    <a:cs typeface="Arial" panose="020B0604020202020204" pitchFamily="34" charset="0"/>
+                  </a:rPr>
+                  <a:t> </a:t>
+                </a:r>
+                <a:r>
+                  <a:rPr lang="uk-UA" dirty="0" err="1">
+                    <a:solidFill>
+                      <a:schemeClr val="bg1"/>
+                    </a:solidFill>
+                    <a:latin typeface="Arial" panose="020B0604020202020204" pitchFamily="34" charset="0"/>
+                    <a:cs typeface="Arial" panose="020B0604020202020204" pitchFamily="34" charset="0"/>
+                  </a:rPr>
+                  <a:t>larger</a:t>
+                </a:r>
+                <a:r>
+                  <a:rPr lang="uk-UA" dirty="0">
+                    <a:solidFill>
+                      <a:schemeClr val="bg1"/>
+                    </a:solidFill>
+                    <a:latin typeface="Arial" panose="020B0604020202020204" pitchFamily="34" charset="0"/>
+                    <a:cs typeface="Arial" panose="020B0604020202020204" pitchFamily="34" charset="0"/>
+                  </a:rPr>
+                  <a:t> </a:t>
+                </a:r>
+                <a:r>
+                  <a:rPr lang="uk-UA" dirty="0" err="1">
+                    <a:solidFill>
+                      <a:schemeClr val="bg1"/>
+                    </a:solidFill>
+                    <a:latin typeface="Arial" panose="020B0604020202020204" pitchFamily="34" charset="0"/>
+                    <a:cs typeface="Arial" panose="020B0604020202020204" pitchFamily="34" charset="0"/>
+                  </a:rPr>
+                  <a:t>than</a:t>
+                </a:r>
+                <a:r>
+                  <a:rPr lang="uk-UA" dirty="0">
+                    <a:solidFill>
+                      <a:schemeClr val="bg1"/>
+                    </a:solidFill>
+                    <a:latin typeface="Arial" panose="020B0604020202020204" pitchFamily="34" charset="0"/>
+                    <a:cs typeface="Arial" panose="020B0604020202020204" pitchFamily="34" charset="0"/>
+                  </a:rPr>
+                  <a:t> </a:t>
+                </a:r>
+                <a14:m>
+                  <m:oMath xmlns:m="http://schemas.openxmlformats.org/officeDocument/2006/math">
+                    <m:sSup>
+                      <m:sSupPr>
+                        <m:ctrlPr>
+                          <a:rPr lang="uk-UA" i="1" smtClean="0">
+                            <a:solidFill>
+                              <a:schemeClr val="bg1"/>
+                            </a:solidFill>
+                            <a:latin typeface="Cambria Math" panose="02040503050406030204" pitchFamily="18" charset="0"/>
+                            <a:cs typeface="Arial" panose="020B0604020202020204" pitchFamily="34" charset="0"/>
+                          </a:rPr>
+                        </m:ctrlPr>
+                      </m:sSupPr>
+                      <m:e>
+                        <m:r>
+                          <a:rPr lang="en-US" b="0" i="1" smtClean="0">
+                            <a:solidFill>
+                              <a:schemeClr val="bg1"/>
+                            </a:solidFill>
+                            <a:latin typeface="Cambria Math" panose="02040503050406030204" pitchFamily="18" charset="0"/>
+                            <a:cs typeface="Arial" panose="020B0604020202020204" pitchFamily="34" charset="0"/>
+                          </a:rPr>
+                          <m:t>2</m:t>
+                        </m:r>
+                      </m:e>
+                      <m:sup>
+                        <m:r>
+                          <a:rPr lang="en-US" b="0" i="1" smtClean="0">
+                            <a:solidFill>
+                              <a:schemeClr val="bg1"/>
+                            </a:solidFill>
+                            <a:latin typeface="Cambria Math" panose="02040503050406030204" pitchFamily="18" charset="0"/>
+                            <a:cs typeface="Arial" panose="020B0604020202020204" pitchFamily="34" charset="0"/>
+                          </a:rPr>
+                          <m:t>53</m:t>
+                        </m:r>
+                      </m:sup>
+                    </m:sSup>
+                  </m:oMath>
+                </a14:m>
+                <a:r>
+                  <a:rPr lang="uk-UA" dirty="0" smtClean="0">
+                    <a:solidFill>
+                      <a:schemeClr val="bg1"/>
+                    </a:solidFill>
+                    <a:latin typeface="Arial" panose="020B0604020202020204" pitchFamily="34" charset="0"/>
+                    <a:cs typeface="Arial" panose="020B0604020202020204" pitchFamily="34" charset="0"/>
+                  </a:rPr>
+                  <a:t> </a:t>
+                </a:r>
+                <a:r>
+                  <a:rPr lang="uk-UA" dirty="0">
+                    <a:solidFill>
+                      <a:schemeClr val="bg1"/>
+                    </a:solidFill>
+                    <a:latin typeface="Arial" panose="020B0604020202020204" pitchFamily="34" charset="0"/>
+                    <a:cs typeface="Arial" panose="020B0604020202020204" pitchFamily="34" charset="0"/>
+                  </a:rPr>
+                  <a:t>(</a:t>
+                </a:r>
+                <a:r>
+                  <a:rPr lang="uk-UA" dirty="0" err="1">
+                    <a:solidFill>
+                      <a:schemeClr val="bg1"/>
+                    </a:solidFill>
+                    <a:latin typeface="Arial" panose="020B0604020202020204" pitchFamily="34" charset="0"/>
+                    <a:cs typeface="Arial" panose="020B0604020202020204" pitchFamily="34" charset="0"/>
+                  </a:rPr>
+                  <a:t>or</a:t>
+                </a:r>
+                <a:r>
+                  <a:rPr lang="uk-UA" dirty="0">
+                    <a:solidFill>
+                      <a:schemeClr val="bg1"/>
+                    </a:solidFill>
+                    <a:latin typeface="Arial" panose="020B0604020202020204" pitchFamily="34" charset="0"/>
+                    <a:cs typeface="Arial" panose="020B0604020202020204" pitchFamily="34" charset="0"/>
+                  </a:rPr>
+                  <a:t> </a:t>
+                </a:r>
+                <a:r>
+                  <a:rPr lang="uk-UA" dirty="0" err="1">
+                    <a:solidFill>
+                      <a:schemeClr val="bg1"/>
+                    </a:solidFill>
+                    <a:latin typeface="Arial" panose="020B0604020202020204" pitchFamily="34" charset="0"/>
+                    <a:cs typeface="Arial" panose="020B0604020202020204" pitchFamily="34" charset="0"/>
+                  </a:rPr>
+                  <a:t>less</a:t>
+                </a:r>
+                <a:r>
+                  <a:rPr lang="uk-UA" dirty="0">
+                    <a:solidFill>
+                      <a:schemeClr val="bg1"/>
+                    </a:solidFill>
+                    <a:latin typeface="Arial" panose="020B0604020202020204" pitchFamily="34" charset="0"/>
+                    <a:cs typeface="Arial" panose="020B0604020202020204" pitchFamily="34" charset="0"/>
+                  </a:rPr>
+                  <a:t> </a:t>
+                </a:r>
+                <a:r>
+                  <a:rPr lang="uk-UA" dirty="0" err="1">
+                    <a:solidFill>
+                      <a:schemeClr val="bg1"/>
+                    </a:solidFill>
+                    <a:latin typeface="Arial" panose="020B0604020202020204" pitchFamily="34" charset="0"/>
+                    <a:cs typeface="Arial" panose="020B0604020202020204" pitchFamily="34" charset="0"/>
+                  </a:rPr>
+                  <a:t>than</a:t>
+                </a:r>
+                <a:r>
+                  <a:rPr lang="uk-UA" dirty="0">
+                    <a:solidFill>
+                      <a:schemeClr val="bg1"/>
+                    </a:solidFill>
+                    <a:latin typeface="Arial" panose="020B0604020202020204" pitchFamily="34" charset="0"/>
+                    <a:cs typeface="Arial" panose="020B0604020202020204" pitchFamily="34" charset="0"/>
+                  </a:rPr>
+                  <a:t> </a:t>
+                </a:r>
+                <a:r>
+                  <a:rPr lang="uk-UA" dirty="0" smtClean="0">
+                    <a:solidFill>
+                      <a:schemeClr val="bg1"/>
+                    </a:solidFill>
+                    <a:latin typeface="Arial" panose="020B0604020202020204" pitchFamily="34" charset="0"/>
+                    <a:cs typeface="Arial" panose="020B0604020202020204" pitchFamily="34" charset="0"/>
+                  </a:rPr>
+                  <a:t>-</a:t>
+                </a:r>
+                <a14:m>
+                  <m:oMath xmlns:m="http://schemas.openxmlformats.org/officeDocument/2006/math">
+                    <m:sSup>
+                      <m:sSupPr>
+                        <m:ctrlPr>
+                          <a:rPr lang="uk-UA" i="1">
+                            <a:solidFill>
+                              <a:schemeClr val="bg1"/>
+                            </a:solidFill>
+                            <a:latin typeface="Cambria Math" panose="02040503050406030204" pitchFamily="18" charset="0"/>
+                            <a:cs typeface="Arial" panose="020B0604020202020204" pitchFamily="34" charset="0"/>
+                          </a:rPr>
+                        </m:ctrlPr>
+                      </m:sSupPr>
+                      <m:e>
+                        <m:r>
+                          <a:rPr lang="en-US" i="1">
+                            <a:solidFill>
+                              <a:schemeClr val="bg1"/>
+                            </a:solidFill>
+                            <a:latin typeface="Cambria Math" panose="02040503050406030204" pitchFamily="18" charset="0"/>
+                            <a:cs typeface="Arial" panose="020B0604020202020204" pitchFamily="34" charset="0"/>
+                          </a:rPr>
+                          <m:t>2</m:t>
+                        </m:r>
+                      </m:e>
+                      <m:sup>
+                        <m:r>
+                          <a:rPr lang="en-US" i="1">
+                            <a:solidFill>
+                              <a:schemeClr val="bg1"/>
+                            </a:solidFill>
+                            <a:latin typeface="Cambria Math" panose="02040503050406030204" pitchFamily="18" charset="0"/>
+                            <a:cs typeface="Arial" panose="020B0604020202020204" pitchFamily="34" charset="0"/>
+                          </a:rPr>
+                          <m:t>53</m:t>
+                        </m:r>
+                      </m:sup>
+                    </m:sSup>
+                  </m:oMath>
+                </a14:m>
+                <a:r>
+                  <a:rPr lang="uk-UA" dirty="0" smtClean="0">
+                    <a:solidFill>
+                      <a:schemeClr val="bg1"/>
+                    </a:solidFill>
+                    <a:latin typeface="Arial" panose="020B0604020202020204" pitchFamily="34" charset="0"/>
+                    <a:cs typeface="Arial" panose="020B0604020202020204" pitchFamily="34" charset="0"/>
+                  </a:rPr>
+                  <a:t> </a:t>
+                </a:r>
+                <a:r>
+                  <a:rPr lang="uk-UA" dirty="0" err="1">
+                    <a:solidFill>
+                      <a:schemeClr val="bg1"/>
+                    </a:solidFill>
+                    <a:latin typeface="Arial" panose="020B0604020202020204" pitchFamily="34" charset="0"/>
+                    <a:cs typeface="Arial" panose="020B0604020202020204" pitchFamily="34" charset="0"/>
+                  </a:rPr>
+                  <a:t>for</a:t>
+                </a:r>
+                <a:r>
+                  <a:rPr lang="uk-UA" dirty="0">
+                    <a:solidFill>
+                      <a:schemeClr val="bg1"/>
+                    </a:solidFill>
+                    <a:latin typeface="Arial" panose="020B0604020202020204" pitchFamily="34" charset="0"/>
+                    <a:cs typeface="Arial" panose="020B0604020202020204" pitchFamily="34" charset="0"/>
+                  </a:rPr>
+                  <a:t> </a:t>
+                </a:r>
+                <a:r>
+                  <a:rPr lang="uk-UA" dirty="0" err="1">
+                    <a:solidFill>
+                      <a:schemeClr val="bg1"/>
+                    </a:solidFill>
+                    <a:latin typeface="Arial" panose="020B0604020202020204" pitchFamily="34" charset="0"/>
+                    <a:cs typeface="Arial" panose="020B0604020202020204" pitchFamily="34" charset="0"/>
+                  </a:rPr>
+                  <a:t>negatives</a:t>
+                </a:r>
+                <a:r>
+                  <a:rPr lang="uk-UA" dirty="0">
+                    <a:solidFill>
+                      <a:schemeClr val="bg1"/>
+                    </a:solidFill>
+                    <a:latin typeface="Arial" panose="020B0604020202020204" pitchFamily="34" charset="0"/>
+                    <a:cs typeface="Arial" panose="020B0604020202020204" pitchFamily="34" charset="0"/>
+                  </a:rPr>
+                  <a:t>), </a:t>
+                </a:r>
+                <a:r>
+                  <a:rPr lang="uk-UA" dirty="0" err="1">
+                    <a:solidFill>
+                      <a:schemeClr val="bg1"/>
+                    </a:solidFill>
+                    <a:latin typeface="Arial" panose="020B0604020202020204" pitchFamily="34" charset="0"/>
+                    <a:cs typeface="Arial" panose="020B0604020202020204" pitchFamily="34" charset="0"/>
+                  </a:rPr>
+                  <a:t>that’s</a:t>
+                </a:r>
+                <a:r>
+                  <a:rPr lang="uk-UA" dirty="0">
+                    <a:solidFill>
+                      <a:schemeClr val="bg1"/>
+                    </a:solidFill>
+                    <a:latin typeface="Arial" panose="020B0604020202020204" pitchFamily="34" charset="0"/>
+                    <a:cs typeface="Arial" panose="020B0604020202020204" pitchFamily="34" charset="0"/>
+                  </a:rPr>
+                  <a:t> a </a:t>
+                </a:r>
+                <a:r>
+                  <a:rPr lang="uk-UA" dirty="0" err="1">
+                    <a:solidFill>
+                      <a:schemeClr val="bg1"/>
+                    </a:solidFill>
+                    <a:latin typeface="Arial" panose="020B0604020202020204" pitchFamily="34" charset="0"/>
+                    <a:cs typeface="Arial" panose="020B0604020202020204" pitchFamily="34" charset="0"/>
+                  </a:rPr>
+                  <a:t>technical</a:t>
+                </a:r>
+                <a:r>
+                  <a:rPr lang="uk-UA" dirty="0">
+                    <a:solidFill>
+                      <a:schemeClr val="bg1"/>
+                    </a:solidFill>
+                    <a:latin typeface="Arial" panose="020B0604020202020204" pitchFamily="34" charset="0"/>
+                    <a:cs typeface="Arial" panose="020B0604020202020204" pitchFamily="34" charset="0"/>
+                  </a:rPr>
+                  <a:t> </a:t>
+                </a:r>
+                <a:r>
+                  <a:rPr lang="uk-UA" dirty="0" err="1">
+                    <a:solidFill>
+                      <a:schemeClr val="bg1"/>
+                    </a:solidFill>
+                    <a:latin typeface="Arial" panose="020B0604020202020204" pitchFamily="34" charset="0"/>
+                    <a:cs typeface="Arial" panose="020B0604020202020204" pitchFamily="34" charset="0"/>
+                  </a:rPr>
+                  <a:t>limitation</a:t>
+                </a:r>
+                <a:r>
+                  <a:rPr lang="uk-UA" dirty="0">
+                    <a:solidFill>
+                      <a:schemeClr val="bg1"/>
+                    </a:solidFill>
+                    <a:latin typeface="Arial" panose="020B0604020202020204" pitchFamily="34" charset="0"/>
+                    <a:cs typeface="Arial" panose="020B0604020202020204" pitchFamily="34" charset="0"/>
+                  </a:rPr>
+                  <a:t> </a:t>
+                </a:r>
+                <a:r>
+                  <a:rPr lang="uk-UA" dirty="0" err="1">
+                    <a:solidFill>
+                      <a:schemeClr val="bg1"/>
+                    </a:solidFill>
+                    <a:latin typeface="Arial" panose="020B0604020202020204" pitchFamily="34" charset="0"/>
+                    <a:cs typeface="Arial" panose="020B0604020202020204" pitchFamily="34" charset="0"/>
+                  </a:rPr>
+                  <a:t>caused</a:t>
+                </a:r>
+                <a:r>
+                  <a:rPr lang="uk-UA" dirty="0">
+                    <a:solidFill>
+                      <a:schemeClr val="bg1"/>
+                    </a:solidFill>
+                    <a:latin typeface="Arial" panose="020B0604020202020204" pitchFamily="34" charset="0"/>
+                    <a:cs typeface="Arial" panose="020B0604020202020204" pitchFamily="34" charset="0"/>
+                  </a:rPr>
+                  <a:t> </a:t>
+                </a:r>
+                <a:r>
+                  <a:rPr lang="uk-UA" dirty="0" err="1">
+                    <a:solidFill>
+                      <a:schemeClr val="bg1"/>
+                    </a:solidFill>
+                    <a:latin typeface="Arial" panose="020B0604020202020204" pitchFamily="34" charset="0"/>
+                    <a:cs typeface="Arial" panose="020B0604020202020204" pitchFamily="34" charset="0"/>
+                  </a:rPr>
+                  <a:t>by</a:t>
+                </a:r>
+                <a:r>
+                  <a:rPr lang="uk-UA" dirty="0">
+                    <a:solidFill>
+                      <a:schemeClr val="bg1"/>
+                    </a:solidFill>
+                    <a:latin typeface="Arial" panose="020B0604020202020204" pitchFamily="34" charset="0"/>
+                    <a:cs typeface="Arial" panose="020B0604020202020204" pitchFamily="34" charset="0"/>
+                  </a:rPr>
+                  <a:t> </a:t>
+                </a:r>
+                <a:r>
+                  <a:rPr lang="uk-UA" dirty="0" err="1">
+                    <a:solidFill>
+                      <a:schemeClr val="bg1"/>
+                    </a:solidFill>
+                    <a:latin typeface="Arial" panose="020B0604020202020204" pitchFamily="34" charset="0"/>
+                    <a:cs typeface="Arial" panose="020B0604020202020204" pitchFamily="34" charset="0"/>
+                  </a:rPr>
+                  <a:t>their</a:t>
+                </a:r>
+                <a:r>
+                  <a:rPr lang="uk-UA" dirty="0">
+                    <a:solidFill>
+                      <a:schemeClr val="bg1"/>
+                    </a:solidFill>
+                    <a:latin typeface="Arial" panose="020B0604020202020204" pitchFamily="34" charset="0"/>
+                    <a:cs typeface="Arial" panose="020B0604020202020204" pitchFamily="34" charset="0"/>
+                  </a:rPr>
+                  <a:t> </a:t>
+                </a:r>
+                <a:r>
+                  <a:rPr lang="uk-UA" dirty="0" err="1">
+                    <a:solidFill>
+                      <a:schemeClr val="bg1"/>
+                    </a:solidFill>
+                    <a:latin typeface="Arial" panose="020B0604020202020204" pitchFamily="34" charset="0"/>
+                    <a:cs typeface="Arial" panose="020B0604020202020204" pitchFamily="34" charset="0"/>
+                  </a:rPr>
+                  <a:t>internal</a:t>
+                </a:r>
+                <a:r>
+                  <a:rPr lang="uk-UA" dirty="0">
+                    <a:solidFill>
+                      <a:schemeClr val="bg1"/>
+                    </a:solidFill>
+                    <a:latin typeface="Arial" panose="020B0604020202020204" pitchFamily="34" charset="0"/>
+                    <a:cs typeface="Arial" panose="020B0604020202020204" pitchFamily="34" charset="0"/>
+                  </a:rPr>
+                  <a:t> </a:t>
+                </a:r>
+                <a:r>
+                  <a:rPr lang="uk-UA" dirty="0" err="1">
+                    <a:solidFill>
+                      <a:schemeClr val="bg1"/>
+                    </a:solidFill>
+                    <a:latin typeface="Arial" panose="020B0604020202020204" pitchFamily="34" charset="0"/>
+                    <a:cs typeface="Arial" panose="020B0604020202020204" pitchFamily="34" charset="0"/>
+                  </a:rPr>
+                  <a:t>representation</a:t>
+                </a:r>
+                <a:r>
+                  <a:rPr lang="uk-UA" dirty="0">
+                    <a:solidFill>
+                      <a:schemeClr val="bg1"/>
+                    </a:solidFill>
+                    <a:latin typeface="Arial" panose="020B0604020202020204" pitchFamily="34" charset="0"/>
+                    <a:cs typeface="Arial" panose="020B0604020202020204" pitchFamily="34" charset="0"/>
+                  </a:rPr>
+                  <a:t>. </a:t>
+                </a:r>
+              </a:p>
+            </p:txBody>
+          </p:sp>
+        </mc:Choice>
+        <mc:Fallback>
+          <p:sp>
+            <p:nvSpPr>
+              <p:cNvPr id="4" name="Прямоугольник 3"/>
+              <p:cNvSpPr>
+                <a:spLocks noRot="1" noChangeAspect="1" noMove="1" noResize="1" noEditPoints="1" noAdjustHandles="1" noChangeArrowheads="1" noChangeShapeType="1" noTextEdit="1"/>
+              </p:cNvSpPr>
+              <p:nvPr/>
+            </p:nvSpPr>
+            <p:spPr>
+              <a:xfrm>
+                <a:off x="583579" y="1997509"/>
+                <a:ext cx="8437757" cy="946991"/>
+              </a:xfrm>
+              <a:prstGeom prst="rect">
+                <a:avLst/>
+              </a:prstGeom>
+              <a:blipFill>
+                <a:blip r:embed="rId2"/>
+                <a:stretch>
+                  <a:fillRect l="-650" t="-3226" b="-7742"/>
+                </a:stretch>
+              </a:blipFill>
+            </p:spPr>
+            <p:txBody>
+              <a:bodyPr/>
+              <a:lstStyle/>
+              <a:p>
+                <a:r>
+                  <a:rPr lang="uk-UA">
+                    <a:noFill/>
+                  </a:rPr>
+                  <a:t> </a:t>
+                </a:r>
+              </a:p>
+            </p:txBody>
+          </p:sp>
+        </mc:Fallback>
+      </mc:AlternateContent>
       <p:sp>
         <p:nvSpPr>
           <p:cNvPr id="6" name="Прямоугольник 5"/>
@@ -18655,7 +19816,7 @@
           <p:nvPr/>
         </p:nvPicPr>
         <p:blipFill>
-          <a:blip r:embed="rId2"/>
+          <a:blip r:embed="rId3"/>
           <a:stretch>
             <a:fillRect/>
           </a:stretch>
@@ -18993,7 +20154,7 @@
           <p:nvPr/>
         </p:nvPicPr>
         <p:blipFill>
-          <a:blip r:embed="rId3">
+          <a:blip r:embed="rId4">
             <a:extLst>
               <a:ext uri="{28A0092B-C50C-407E-A947-70E740481C1C}">
                 <a14:useLocalDpi xmlns:a14="http://schemas.microsoft.com/office/drawing/2010/main" val="0"/>
@@ -23723,6 +24884,14 @@
 </file>
 
 <file path=customXml/item1.xml><?xml version="1.0" encoding="utf-8"?>
+<p:properties xmlns:p="http://schemas.microsoft.com/office/2006/metadata/properties" xmlns:xsi="http://www.w3.org/2001/XMLSchema-instance" xmlns:pc="http://schemas.microsoft.com/office/infopath/2007/PartnerControls">
+  <documentManagement>
+    <_x041a__x043e__x043c__x0435__x0442__x0430__x0440_ xmlns="835f28f2-30f1-4728-84d2-86d96e143488" xsi:nil="true"/>
+  </documentManagement>
+</p:properties>
+</file>
+
+<file path=customXml/item2.xml><?xml version="1.0" encoding="utf-8"?>
 <ct:contentTypeSchema xmlns:ct="http://schemas.microsoft.com/office/2006/metadata/contentType" xmlns:ma="http://schemas.microsoft.com/office/2006/metadata/properties/metaAttributes" ct:_="" ma:_="" ma:contentTypeName="Document" ma:contentTypeID="0x0101004195FC54A15F344D83577B1CDDD67A5D" ma:contentTypeVersion="13" ma:contentTypeDescription="Create a new document." ma:contentTypeScope="" ma:versionID="30ded57c9b2156718eb8cc7b0e4246dc">
   <xsd:schema xmlns:xsd="http://www.w3.org/2001/XMLSchema" xmlns:xs="http://www.w3.org/2001/XMLSchema" xmlns:p="http://schemas.microsoft.com/office/2006/metadata/properties" xmlns:ns2="341e6018-ac0a-4dfb-8409-db9e0d25502e" xmlns:ns3="835f28f2-30f1-4728-84d2-86d96e143488" targetNamespace="http://schemas.microsoft.com/office/2006/metadata/properties" ma:root="true" ma:fieldsID="a0d1831635397921c92a19e568dfc949" ns2:_="" ns3:_="">
     <xsd:import namespace="341e6018-ac0a-4dfb-8409-db9e0d25502e"/>
@@ -23947,14 +25116,6 @@
 </ct:contentTypeSchema>
 </file>
 
-<file path=customXml/item2.xml><?xml version="1.0" encoding="utf-8"?>
-<p:properties xmlns:p="http://schemas.microsoft.com/office/2006/metadata/properties" xmlns:xsi="http://www.w3.org/2001/XMLSchema-instance" xmlns:pc="http://schemas.microsoft.com/office/infopath/2007/PartnerControls">
-  <documentManagement>
-    <_x041a__x043e__x043c__x0435__x0442__x0430__x0440_ xmlns="835f28f2-30f1-4728-84d2-86d96e143488" xsi:nil="true"/>
-  </documentManagement>
-</p:properties>
-</file>
-
 <file path=customXml/item3.xml><?xml version="1.0" encoding="utf-8"?>
 <?mso-contentType ?>
 <FormTemplates xmlns="http://schemas.microsoft.com/sharepoint/v3/contenttype/forms">
@@ -23965,6 +25126,23 @@
 </file>
 
 <file path=customXml/itemProps1.xml><?xml version="1.0" encoding="utf-8"?>
+<ds:datastoreItem xmlns:ds="http://schemas.openxmlformats.org/officeDocument/2006/customXml" ds:itemID="{E9033E08-7FE9-4F6D-B155-A8777B4A5A57}">
+  <ds:schemaRefs>
+    <ds:schemaRef ds:uri="http://purl.org/dc/terms/"/>
+    <ds:schemaRef ds:uri="http://schemas.microsoft.com/office/2006/documentManagement/types"/>
+    <ds:schemaRef ds:uri="835f28f2-30f1-4728-84d2-86d96e143488"/>
+    <ds:schemaRef ds:uri="http://purl.org/dc/elements/1.1/"/>
+    <ds:schemaRef ds:uri="http://schemas.microsoft.com/office/2006/metadata/properties"/>
+    <ds:schemaRef ds:uri="http://schemas.openxmlformats.org/package/2006/metadata/core-properties"/>
+    <ds:schemaRef ds:uri="http://schemas.microsoft.com/office/infopath/2007/PartnerControls"/>
+    <ds:schemaRef ds:uri="341e6018-ac0a-4dfb-8409-db9e0d25502e"/>
+    <ds:schemaRef ds:uri="http://www.w3.org/XML/1998/namespace"/>
+    <ds:schemaRef ds:uri="http://purl.org/dc/dcmitype/"/>
+  </ds:schemaRefs>
+</ds:datastoreItem>
+</file>
+
+<file path=customXml/itemProps2.xml><?xml version="1.0" encoding="utf-8"?>
 <ds:datastoreItem xmlns:ds="http://schemas.openxmlformats.org/officeDocument/2006/customXml" ds:itemID="{5BCFD5A9-9FF3-42E0-89D7-BF5BFC61DD60}">
   <ds:schemaRefs>
     <ds:schemaRef ds:uri="341e6018-ac0a-4dfb-8409-db9e0d25502e"/>
@@ -23983,23 +25161,6 @@
 </ds:datastoreItem>
 </file>
 
-<file path=customXml/itemProps2.xml><?xml version="1.0" encoding="utf-8"?>
-<ds:datastoreItem xmlns:ds="http://schemas.openxmlformats.org/officeDocument/2006/customXml" ds:itemID="{E9033E08-7FE9-4F6D-B155-A8777B4A5A57}">
-  <ds:schemaRefs>
-    <ds:schemaRef ds:uri="http://purl.org/dc/terms/"/>
-    <ds:schemaRef ds:uri="http://schemas.microsoft.com/office/2006/documentManagement/types"/>
-    <ds:schemaRef ds:uri="835f28f2-30f1-4728-84d2-86d96e143488"/>
-    <ds:schemaRef ds:uri="http://purl.org/dc/elements/1.1/"/>
-    <ds:schemaRef ds:uri="http://schemas.microsoft.com/office/2006/metadata/properties"/>
-    <ds:schemaRef ds:uri="http://schemas.openxmlformats.org/package/2006/metadata/core-properties"/>
-    <ds:schemaRef ds:uri="http://schemas.microsoft.com/office/infopath/2007/PartnerControls"/>
-    <ds:schemaRef ds:uri="341e6018-ac0a-4dfb-8409-db9e0d25502e"/>
-    <ds:schemaRef ds:uri="http://www.w3.org/XML/1998/namespace"/>
-    <ds:schemaRef ds:uri="http://purl.org/dc/dcmitype/"/>
-  </ds:schemaRefs>
-</ds:datastoreItem>
-</file>
-
 <file path=customXml/itemProps3.xml><?xml version="1.0" encoding="utf-8"?>
 <ds:datastoreItem xmlns:ds="http://schemas.openxmlformats.org/officeDocument/2006/customXml" ds:itemID="{296B3B9E-03D8-4766-BF45-6129617CF026}">
   <ds:schemaRefs>

--- a/JS_DataTypes.pptx
+++ b/JS_DataTypes.pptx
@@ -14414,6 +14414,13 @@
   <p:clrMapOvr>
     <a:masterClrMapping/>
   </p:clrMapOvr>
+  <p:timing>
+    <p:tnLst>
+      <p:par>
+        <p:cTn id="1" dur="indefinite" restart="never" nodeType="tmRoot"/>
+      </p:par>
+    </p:tnLst>
+  </p:timing>
 </p:sld>
 </file>
 
@@ -17140,22 +17147,28 @@
       </p:pic>
       <p:pic>
         <p:nvPicPr>
-          <p:cNvPr id="6" name="Рисунок 5"/>
+          <p:cNvPr id="3" name="Рисунок 2"/>
           <p:cNvPicPr>
             <a:picLocks noChangeAspect="1"/>
           </p:cNvPicPr>
           <p:nvPr/>
         </p:nvPicPr>
         <p:blipFill>
-          <a:blip r:embed="rId3"/>
+          <a:blip r:embed="rId3">
+            <a:extLst>
+              <a:ext uri="{28A0092B-C50C-407E-A947-70E740481C1C}">
+                <a14:useLocalDpi xmlns:a14="http://schemas.microsoft.com/office/drawing/2010/main" val="0"/>
+              </a:ext>
+            </a:extLst>
+          </a:blip>
           <a:stretch>
             <a:fillRect/>
           </a:stretch>
         </p:blipFill>
         <p:spPr>
           <a:xfrm>
-            <a:off x="6991117" y="2796168"/>
-            <a:ext cx="4764282" cy="917188"/>
+            <a:off x="7169436" y="2650134"/>
+            <a:ext cx="4763165" cy="1981477"/>
           </a:xfrm>
           <a:prstGeom prst="rect">
             <a:avLst/>
